--- a/lesson_HTML5/2.HTML5基础/2.HTML5基础.pptx
+++ b/lesson_HTML5/2.HTML5基础/2.HTML5基础.pptx
@@ -5,17 +5,12 @@
     <p:sldMasterId id="2147483648" r:id="rId1"/>
   </p:sldMasterIdLst>
   <p:notesMasterIdLst>
-    <p:notesMasterId r:id="rId10"/>
+    <p:notesMasterId r:id="rId5"/>
   </p:notesMasterIdLst>
   <p:sldIdLst>
     <p:sldId id="256" r:id="rId2"/>
-    <p:sldId id="264" r:id="rId3"/>
-    <p:sldId id="257" r:id="rId4"/>
-    <p:sldId id="259" r:id="rId5"/>
-    <p:sldId id="260" r:id="rId6"/>
-    <p:sldId id="261" r:id="rId7"/>
-    <p:sldId id="262" r:id="rId8"/>
-    <p:sldId id="263" r:id="rId9"/>
+    <p:sldId id="260" r:id="rId3"/>
+    <p:sldId id="261" r:id="rId4"/>
   </p:sldIdLst>
   <p:sldSz cx="12192000" cy="6858000"/>
   <p:notesSz cx="6858000" cy="9144000"/>
@@ -537,7 +532,7 @@
           <a:p>
             <a:fld id="{01A52333-B601-9848-AAE5-4A5009FCB009}" type="slidenum">
               <a:rPr kumimoji="1" lang="zh-CN" altLang="en-US" smtClean="0"/>
-              <a:t>5</a:t>
+              <a:t>2</a:t>
             </a:fld>
             <a:endParaRPr kumimoji="1" lang="zh-CN" altLang="en-US"/>
           </a:p>
@@ -6243,6 +6238,10 @@
               <a:rPr kumimoji="1" lang="en-US" altLang="zh-CN" dirty="0" smtClean="0"/>
               <a:t>5</a:t>
             </a:r>
+            <a:r>
+              <a:rPr kumimoji="1" lang="zh-CN" altLang="en-US" dirty="0" smtClean="0"/>
+              <a:t>基础</a:t>
+            </a:r>
             <a:endParaRPr kumimoji="1" lang="zh-CN" altLang="en-US" dirty="0"/>
           </a:p>
         </p:txBody>
@@ -6268,50 +6267,6 @@
           <a:lstStyle/>
           <a:p>
             <a:pPr algn="l"/>
-            <a:r>
-              <a:rPr lang="zh-CN" altLang="en-US" dirty="0"/>
-              <a:t>自从</a:t>
-            </a:r>
-            <a:r>
-              <a:rPr lang="en-US" altLang="zh-CN" dirty="0"/>
-              <a:t>HTML5</a:t>
-            </a:r>
-            <a:r>
-              <a:rPr lang="zh-CN" altLang="en-US" dirty="0"/>
-              <a:t>正式推出以来，它立刻受到了世界各大浏览器的热烈欢迎与支持，根据世界上各大</a:t>
-            </a:r>
-            <a:r>
-              <a:rPr lang="en-US" altLang="zh-CN" dirty="0"/>
-              <a:t>IT</a:t>
-            </a:r>
-            <a:r>
-              <a:rPr lang="zh-CN" altLang="en-US" dirty="0"/>
-              <a:t>界知名媒体评论，新的</a:t>
-            </a:r>
-            <a:r>
-              <a:rPr lang="en-US" altLang="zh-CN" dirty="0"/>
-              <a:t>Web</a:t>
-            </a:r>
-            <a:r>
-              <a:rPr lang="zh-CN" altLang="en-US" dirty="0"/>
-              <a:t>时代，</a:t>
-            </a:r>
-            <a:r>
-              <a:rPr lang="en-US" altLang="zh-CN" dirty="0"/>
-              <a:t>HTML5</a:t>
-            </a:r>
-            <a:r>
-              <a:rPr lang="zh-CN" altLang="en-US" dirty="0"/>
-              <a:t>的</a:t>
-            </a:r>
-            <a:r>
-              <a:rPr lang="zh-CN" altLang="en-US" dirty="0" smtClean="0"/>
-              <a:t>时代已经到来</a:t>
-            </a:r>
-            <a:r>
-              <a:rPr lang="zh-CN" altLang="en-US" dirty="0"/>
-              <a:t>了。</a:t>
-            </a:r>
             <a:endParaRPr kumimoji="1" lang="zh-CN" altLang="en-US" dirty="0"/>
           </a:p>
         </p:txBody>
@@ -6347,10 +6302,15 @@
                             </p:stCondLst>
                             <p:childTnLst>
                               <p:par>
-                                <p:cTn id="5" presetID="3" presetClass="entr" presetSubtype="10" fill="hold" grpId="0" nodeType="clickEffect">
+                                <p:cTn id="5" presetID="3" presetClass="entr" presetSubtype="10" fill="hold" grpId="0" nodeType="clickEffect" nodePh="1">
                                   <p:stCondLst>
                                     <p:cond delay="0"/>
                                   </p:stCondLst>
+                                  <p:endCondLst>
+                                    <p:cond evt="begin" delay="0">
+                                      <p:tn val="5"/>
+                                    </p:cond>
+                                  </p:endCondLst>
                                   <p:childTnLst>
                                     <p:set>
                                       <p:cBhvr>
@@ -6442,7 +6402,7 @@
       </p:grpSpPr>
       <p:sp>
         <p:nvSpPr>
-          <p:cNvPr id="2" name="Title 1"/>
+          <p:cNvPr id="2" name="标题 1"/>
           <p:cNvSpPr>
             <a:spLocks noGrp="1"/>
           </p:cNvSpPr>
@@ -6456,16 +6416,31 @@
           <a:lstStyle/>
           <a:p>
             <a:r>
-              <a:rPr lang="zh-CN" altLang="en-US" dirty="0" smtClean="0"/>
-              <a:t>个人介绍</a:t>
-            </a:r>
-            <a:endParaRPr lang="en-US" dirty="0"/>
-          </a:p>
-        </p:txBody>
-      </p:sp>
-      <p:sp>
-        <p:nvSpPr>
-          <p:cNvPr id="3" name="Content Placeholder 2"/>
+              <a:rPr kumimoji="1" lang="en-US" altLang="zh-CN" dirty="0" smtClean="0"/>
+              <a:t>HTML </a:t>
+            </a:r>
+            <a:r>
+              <a:rPr kumimoji="1" lang="en-US" altLang="zh-CN" dirty="0"/>
+              <a:t>5 </a:t>
+            </a:r>
+            <a:r>
+              <a:rPr kumimoji="1" lang="zh-CN" altLang="en-US" dirty="0"/>
+              <a:t>基础</a:t>
+            </a:r>
+            <a:r>
+              <a:rPr kumimoji="1" lang="en-US" altLang="zh-CN" dirty="0"/>
+              <a:t/>
+            </a:r>
+            <a:br>
+              <a:rPr kumimoji="1" lang="en-US" altLang="zh-CN" dirty="0"/>
+            </a:br>
+            <a:endParaRPr kumimoji="1" lang="zh-CN" altLang="en-US" dirty="0"/>
+          </a:p>
+        </p:txBody>
+      </p:sp>
+      <p:sp>
+        <p:nvSpPr>
+          <p:cNvPr id="3" name="内容占位符 2"/>
           <p:cNvSpPr>
             <a:spLocks noGrp="1"/>
           </p:cNvSpPr>
@@ -6473,408 +6448,99 @@
             <p:ph idx="1"/>
           </p:nvPr>
         </p:nvSpPr>
-        <p:spPr>
-          <a:xfrm>
-            <a:off x="677334" y="3216728"/>
-            <a:ext cx="8596668" cy="2824633"/>
-          </a:xfrm>
-        </p:spPr>
+        <p:spPr/>
         <p:txBody>
           <a:bodyPr/>
           <a:lstStyle/>
           <a:p>
             <a:r>
-              <a:rPr lang="zh-CN" altLang="en-US" dirty="0">
-                <a:latin typeface="Songti SC" charset="-122"/>
-                <a:ea typeface="Songti SC" charset="-122"/>
-                <a:cs typeface="Songti SC" charset="-122"/>
-              </a:rPr>
-              <a:t>某电力行业服务提供商研发</a:t>
-            </a:r>
-            <a:r>
-              <a:rPr lang="zh-CN" altLang="en-US" dirty="0" smtClean="0">
-                <a:latin typeface="Songti SC" charset="-122"/>
-                <a:ea typeface="Songti SC" charset="-122"/>
-                <a:cs typeface="Songti SC" charset="-122"/>
-              </a:rPr>
-              <a:t>中心高级前端</a:t>
-            </a:r>
-            <a:r>
-              <a:rPr lang="zh-CN" altLang="en-US" dirty="0">
-                <a:latin typeface="Songti SC" charset="-122"/>
-                <a:ea typeface="Songti SC" charset="-122"/>
-                <a:cs typeface="Songti SC" charset="-122"/>
-              </a:rPr>
-              <a:t>研发工程师</a:t>
-            </a:r>
-            <a:r>
-              <a:rPr lang="zh-CN" altLang="en-US" dirty="0" smtClean="0">
-                <a:latin typeface="Songti SC" charset="-122"/>
-                <a:ea typeface="Songti SC" charset="-122"/>
-                <a:cs typeface="Songti SC" charset="-122"/>
-              </a:rPr>
-              <a:t>，</a:t>
-            </a:r>
-            <a:r>
-              <a:rPr lang="en-US" altLang="zh-CN" dirty="0" smtClean="0">
-                <a:latin typeface="Songti SC" charset="-122"/>
-                <a:ea typeface="Songti SC" charset="-122"/>
-                <a:cs typeface="Songti SC" charset="-122"/>
-              </a:rPr>
-              <a:t>6</a:t>
-            </a:r>
-            <a:r>
-              <a:rPr lang="zh-CN" altLang="en-US" dirty="0" smtClean="0">
-                <a:latin typeface="Songti SC" charset="-122"/>
-                <a:ea typeface="Songti SC" charset="-122"/>
-                <a:cs typeface="Songti SC" charset="-122"/>
-              </a:rPr>
-              <a:t>年</a:t>
-            </a:r>
-            <a:r>
-              <a:rPr lang="en-US" altLang="zh-CN" dirty="0" smtClean="0">
-                <a:latin typeface="Songti SC" charset="-122"/>
-                <a:ea typeface="Songti SC" charset="-122"/>
-                <a:cs typeface="Songti SC" charset="-122"/>
-              </a:rPr>
-              <a:t>WEB</a:t>
-            </a:r>
-            <a:r>
-              <a:rPr lang="zh-CN" altLang="en-US" dirty="0" smtClean="0">
-                <a:latin typeface="Songti SC" charset="-122"/>
-                <a:ea typeface="Songti SC" charset="-122"/>
-                <a:cs typeface="Songti SC" charset="-122"/>
-              </a:rPr>
-              <a:t>前端</a:t>
-            </a:r>
-            <a:r>
-              <a:rPr lang="zh-CN" altLang="en-US" dirty="0">
-                <a:latin typeface="Songti SC" charset="-122"/>
-                <a:ea typeface="Songti SC" charset="-122"/>
-                <a:cs typeface="Songti SC" charset="-122"/>
-              </a:rPr>
-              <a:t>开发经验和项目实战经验</a:t>
-            </a:r>
-            <a:r>
-              <a:rPr lang="zh-CN" altLang="en-US" dirty="0" smtClean="0">
-                <a:latin typeface="Songti SC" charset="-122"/>
-                <a:ea typeface="Songti SC" charset="-122"/>
-                <a:cs typeface="Songti SC" charset="-122"/>
-              </a:rPr>
-              <a:t>，</a:t>
-            </a:r>
-            <a:r>
-              <a:rPr lang="zh-CN" altLang="en-US" dirty="0">
-                <a:latin typeface="Songti SC" charset="-122"/>
-                <a:ea typeface="Songti SC" charset="-122"/>
-                <a:cs typeface="Songti SC" charset="-122"/>
-              </a:rPr>
-              <a:t>精通</a:t>
-            </a:r>
-            <a:r>
-              <a:rPr lang="en-US" altLang="zh-CN" dirty="0">
-                <a:latin typeface="Songti SC" charset="-122"/>
-                <a:ea typeface="Songti SC" charset="-122"/>
-                <a:cs typeface="Songti SC" charset="-122"/>
-              </a:rPr>
-              <a:t>html, </a:t>
-            </a:r>
-            <a:r>
-              <a:rPr lang="en-US" altLang="zh-CN" dirty="0" err="1">
-                <a:latin typeface="Songti SC" charset="-122"/>
-                <a:ea typeface="Songti SC" charset="-122"/>
-                <a:cs typeface="Songti SC" charset="-122"/>
-              </a:rPr>
-              <a:t>css</a:t>
-            </a:r>
-            <a:r>
-              <a:rPr lang="en-US" altLang="zh-CN" dirty="0">
-                <a:latin typeface="Songti SC" charset="-122"/>
-                <a:ea typeface="Songti SC" charset="-122"/>
-                <a:cs typeface="Songti SC" charset="-122"/>
-              </a:rPr>
-              <a:t>, </a:t>
-            </a:r>
-            <a:r>
-              <a:rPr lang="en-US" altLang="zh-CN" dirty="0" err="1">
-                <a:latin typeface="Songti SC" charset="-122"/>
-                <a:ea typeface="Songti SC" charset="-122"/>
-                <a:cs typeface="Songti SC" charset="-122"/>
-              </a:rPr>
-              <a:t>javascript</a:t>
-            </a:r>
-            <a:r>
-              <a:rPr lang="zh-CN" altLang="en-US" dirty="0">
-                <a:latin typeface="Songti SC" charset="-122"/>
-                <a:ea typeface="Songti SC" charset="-122"/>
-                <a:cs typeface="Songti SC" charset="-122"/>
-              </a:rPr>
-              <a:t>以及熟悉前端各大主流框架和工具和使用，注重模块化</a:t>
-            </a:r>
-            <a:r>
-              <a:rPr lang="zh-CN" altLang="en-US" dirty="0" smtClean="0">
-                <a:latin typeface="Songti SC" charset="-122"/>
-                <a:ea typeface="Songti SC" charset="-122"/>
-                <a:cs typeface="Songti SC" charset="-122"/>
-              </a:rPr>
-              <a:t>开发。</a:t>
-            </a:r>
-          </a:p>
-          <a:p>
-            <a:r>
-              <a:rPr lang="zh-CN" altLang="en-US" dirty="0">
-                <a:latin typeface="Songti SC" charset="-122"/>
-                <a:ea typeface="Songti SC" charset="-122"/>
-                <a:cs typeface="Songti SC" charset="-122"/>
-              </a:rPr>
-              <a:t>参与开发的项目有：决策支持系统，运营支撑系统，法律事务管理系统，数据资源管理平台，招投标采购平台，电力需求</a:t>
-            </a:r>
-            <a:r>
-              <a:rPr lang="zh-CN" altLang="en-US" dirty="0" smtClean="0">
-                <a:latin typeface="Songti SC" charset="-122"/>
-                <a:ea typeface="Songti SC" charset="-122"/>
-                <a:cs typeface="Songti SC" charset="-122"/>
-              </a:rPr>
-              <a:t>侧平台，佛山市政府协同办公平台等</a:t>
-            </a:r>
-            <a:endParaRPr lang="en-US" altLang="zh-CN" dirty="0" smtClean="0">
-              <a:latin typeface="Songti SC" charset="-122"/>
-              <a:ea typeface="Songti SC" charset="-122"/>
-              <a:cs typeface="Songti SC" charset="-122"/>
-            </a:endParaRPr>
-          </a:p>
-          <a:p>
-            <a:r>
-              <a:rPr lang="zh-CN" altLang="en-US" dirty="0" smtClean="0">
-                <a:latin typeface="Songti SC" charset="-122"/>
-                <a:ea typeface="Songti SC" charset="-122"/>
-                <a:cs typeface="Songti SC" charset="-122"/>
-              </a:rPr>
-              <a:t>课程相关资料：</a:t>
-            </a:r>
-            <a:r>
-              <a:rPr lang="en-US" altLang="zh-CN" dirty="0" smtClean="0">
-                <a:latin typeface="Songti SC" charset="-122"/>
-                <a:ea typeface="Songti SC" charset="-122"/>
-                <a:cs typeface="Songti SC" charset="-122"/>
-              </a:rPr>
-              <a:t>https</a:t>
-            </a:r>
-            <a:r>
-              <a:rPr lang="en-US" altLang="zh-CN" dirty="0">
-                <a:latin typeface="Songti SC" charset="-122"/>
-                <a:ea typeface="Songti SC" charset="-122"/>
-                <a:cs typeface="Songti SC" charset="-122"/>
-              </a:rPr>
-              <a:t>://</a:t>
-            </a:r>
-            <a:r>
-              <a:rPr lang="en-US" altLang="zh-CN" dirty="0" err="1">
-                <a:latin typeface="Songti SC" charset="-122"/>
-                <a:ea typeface="Songti SC" charset="-122"/>
-                <a:cs typeface="Songti SC" charset="-122"/>
-              </a:rPr>
-              <a:t>github.com</a:t>
-            </a:r>
-            <a:r>
-              <a:rPr lang="en-US" altLang="zh-CN" dirty="0">
-                <a:latin typeface="Songti SC" charset="-122"/>
-                <a:ea typeface="Songti SC" charset="-122"/>
-                <a:cs typeface="Songti SC" charset="-122"/>
-              </a:rPr>
-              <a:t>/</a:t>
-            </a:r>
-            <a:r>
-              <a:rPr lang="en-US" altLang="zh-CN" dirty="0" err="1">
-                <a:latin typeface="Songti SC" charset="-122"/>
-                <a:ea typeface="Songti SC" charset="-122"/>
-                <a:cs typeface="Songti SC" charset="-122"/>
-              </a:rPr>
-              <a:t>Guoye</a:t>
-            </a:r>
-            <a:r>
-              <a:rPr lang="en-US" altLang="zh-CN" dirty="0">
-                <a:latin typeface="Songti SC" charset="-122"/>
-                <a:ea typeface="Songti SC" charset="-122"/>
-                <a:cs typeface="Songti SC" charset="-122"/>
-              </a:rPr>
-              <a:t>/</a:t>
-            </a:r>
-            <a:r>
-              <a:rPr lang="en-US" altLang="zh-CN" dirty="0" err="1">
-                <a:latin typeface="Songti SC" charset="-122"/>
-                <a:ea typeface="Songti SC" charset="-122"/>
-                <a:cs typeface="Songti SC" charset="-122"/>
-              </a:rPr>
-              <a:t>Neusoft</a:t>
-            </a:r>
-            <a:endParaRPr lang="zh-CN" altLang="en-US" dirty="0" smtClean="0">
-              <a:latin typeface="Songti SC" charset="-122"/>
-              <a:ea typeface="Songti SC" charset="-122"/>
-              <a:cs typeface="Songti SC" charset="-122"/>
-            </a:endParaRPr>
-          </a:p>
-        </p:txBody>
-      </p:sp>
-      <p:pic>
-        <p:nvPicPr>
-          <p:cNvPr id="4" name="图片 3"/>
-          <p:cNvPicPr>
-            <a:picLocks noChangeAspect="1"/>
-          </p:cNvPicPr>
-          <p:nvPr/>
-        </p:nvPicPr>
-        <p:blipFill>
-          <a:blip r:embed="rId2"/>
-          <a:stretch>
-            <a:fillRect/>
-          </a:stretch>
-        </p:blipFill>
-        <p:spPr>
-          <a:xfrm>
-            <a:off x="734182" y="1405861"/>
-            <a:ext cx="1510696" cy="1531678"/>
-          </a:xfrm>
-          <a:prstGeom prst="rect">
-            <a:avLst/>
-          </a:prstGeom>
-        </p:spPr>
-      </p:pic>
-      <p:sp>
-        <p:nvSpPr>
-          <p:cNvPr id="5" name="文本框 4"/>
-          <p:cNvSpPr txBox="1"/>
-          <p:nvPr/>
-        </p:nvSpPr>
-        <p:spPr>
-          <a:xfrm>
-            <a:off x="2309590" y="1653556"/>
-            <a:ext cx="1107996" cy="461665"/>
-          </a:xfrm>
-          <a:prstGeom prst="rect">
-            <a:avLst/>
-          </a:prstGeom>
-          <a:noFill/>
-        </p:spPr>
-        <p:txBody>
-          <a:bodyPr wrap="none" rtlCol="0">
-            <a:spAutoFit/>
-          </a:bodyPr>
-          <a:lstStyle/>
-          <a:p>
-            <a:r>
-              <a:rPr kumimoji="1" lang="zh-CN" altLang="en-US" sz="2400" dirty="0" smtClean="0">
-                <a:latin typeface="Songti SC" charset="-122"/>
-                <a:ea typeface="Songti SC" charset="-122"/>
-                <a:cs typeface="Songti SC" charset="-122"/>
-              </a:rPr>
-              <a:t>张国业</a:t>
-            </a:r>
-            <a:endParaRPr kumimoji="1" lang="en-US" altLang="zh-CN" sz="2400" dirty="0" smtClean="0">
-              <a:latin typeface="Songti SC" charset="-122"/>
-              <a:ea typeface="Songti SC" charset="-122"/>
-              <a:cs typeface="Songti SC" charset="-122"/>
-            </a:endParaRPr>
-          </a:p>
-        </p:txBody>
-      </p:sp>
-      <p:sp>
-        <p:nvSpPr>
-          <p:cNvPr id="6" name="文本框 5"/>
-          <p:cNvSpPr txBox="1"/>
-          <p:nvPr/>
-        </p:nvSpPr>
-        <p:spPr>
-          <a:xfrm>
-            <a:off x="2309590" y="2265865"/>
-            <a:ext cx="5032147" cy="369332"/>
-          </a:xfrm>
-          <a:prstGeom prst="rect">
-            <a:avLst/>
-          </a:prstGeom>
-          <a:noFill/>
-        </p:spPr>
-        <p:txBody>
-          <a:bodyPr wrap="none" rtlCol="0">
-            <a:spAutoFit/>
-          </a:bodyPr>
-          <a:lstStyle/>
-          <a:p>
-            <a:r>
-              <a:rPr lang="zh-CN" altLang="en-US" dirty="0">
-                <a:solidFill>
-                  <a:schemeClr val="tx1">
-                    <a:lumMod val="50000"/>
-                    <a:lumOff val="50000"/>
-                  </a:schemeClr>
-                </a:solidFill>
-                <a:latin typeface="Songti SC" charset="-122"/>
-                <a:ea typeface="Songti SC" charset="-122"/>
-                <a:cs typeface="Songti SC" charset="-122"/>
-              </a:rPr>
-              <a:t>系统集成项目管理工程师、信息系统项目管理师</a:t>
-            </a:r>
-            <a:endParaRPr kumimoji="1" lang="zh-CN" altLang="en-US" dirty="0">
-              <a:solidFill>
-                <a:schemeClr val="tx1">
-                  <a:lumMod val="50000"/>
-                  <a:lumOff val="50000"/>
-                </a:schemeClr>
-              </a:solidFill>
-            </a:endParaRPr>
-          </a:p>
-        </p:txBody>
-      </p:sp>
-      <p:sp>
-        <p:nvSpPr>
-          <p:cNvPr id="7" name="文本框 6"/>
-          <p:cNvSpPr txBox="1"/>
-          <p:nvPr/>
-        </p:nvSpPr>
-        <p:spPr>
-          <a:xfrm>
-            <a:off x="3417586" y="1728801"/>
-            <a:ext cx="2262158" cy="369332"/>
-          </a:xfrm>
-          <a:prstGeom prst="rect">
-            <a:avLst/>
-          </a:prstGeom>
-          <a:noFill/>
-        </p:spPr>
-        <p:txBody>
-          <a:bodyPr wrap="none" rtlCol="0">
-            <a:spAutoFit/>
-          </a:bodyPr>
-          <a:lstStyle/>
-          <a:p>
-            <a:r>
-              <a:rPr kumimoji="1" lang="zh-CN" altLang="en-US" dirty="0" smtClean="0">
-                <a:solidFill>
-                  <a:schemeClr val="accent2"/>
-                </a:solidFill>
-              </a:rPr>
-              <a:t>高级前端</a:t>
-            </a:r>
-            <a:r>
-              <a:rPr kumimoji="1" lang="zh-CN" altLang="en-US" smtClean="0">
-                <a:solidFill>
-                  <a:schemeClr val="accent2"/>
-                </a:solidFill>
-              </a:rPr>
-              <a:t>开发工程师</a:t>
-            </a:r>
-            <a:endParaRPr kumimoji="1" lang="zh-CN" altLang="en-US">
-              <a:solidFill>
-                <a:schemeClr val="accent2"/>
-              </a:solidFill>
-            </a:endParaRPr>
+              <a:rPr kumimoji="1" lang="zh-CN" altLang="en-US" dirty="0"/>
+              <a:t>认识新的网页</a:t>
+            </a:r>
+            <a:r>
+              <a:rPr kumimoji="1" lang="zh-CN" altLang="en-US" dirty="0" smtClean="0"/>
+              <a:t>结构</a:t>
+            </a:r>
+            <a:endParaRPr kumimoji="1" lang="en-US" altLang="zh-CN" dirty="0" smtClean="0"/>
+          </a:p>
+          <a:p>
+            <a:r>
+              <a:rPr kumimoji="1" lang="en-US" altLang="zh-CN" dirty="0" smtClean="0"/>
+              <a:t>HTML </a:t>
+            </a:r>
+            <a:r>
+              <a:rPr kumimoji="1" lang="en-US" altLang="zh-CN" dirty="0"/>
+              <a:t>5 </a:t>
+            </a:r>
+            <a:r>
+              <a:rPr kumimoji="1" lang="zh-CN" altLang="en-US" dirty="0"/>
+              <a:t>与</a:t>
+            </a:r>
+            <a:r>
+              <a:rPr kumimoji="1" lang="en-US" altLang="zh-CN" dirty="0"/>
+              <a:t>HTML 4 </a:t>
+            </a:r>
+            <a:r>
+              <a:rPr kumimoji="1" lang="zh-CN" altLang="en-US" dirty="0"/>
+              <a:t>的</a:t>
+            </a:r>
+            <a:r>
+              <a:rPr kumimoji="1" lang="zh-CN" altLang="en-US" dirty="0" smtClean="0"/>
+              <a:t>区别</a:t>
+            </a:r>
+            <a:endParaRPr kumimoji="1" lang="en-US" altLang="zh-CN" dirty="0" smtClean="0"/>
+          </a:p>
+          <a:p>
+            <a:r>
+              <a:rPr kumimoji="1" lang="zh-CN" altLang="en-US" dirty="0" smtClean="0"/>
+              <a:t>新增</a:t>
+            </a:r>
+            <a:r>
+              <a:rPr kumimoji="1" lang="zh-CN" altLang="en-US" dirty="0"/>
+              <a:t>的主体元素</a:t>
+            </a:r>
+            <a:r>
+              <a:rPr kumimoji="1" lang="zh-CN" altLang="en-US" dirty="0" smtClean="0"/>
+              <a:t>结构</a:t>
+            </a:r>
+            <a:endParaRPr kumimoji="1" lang="en-US" altLang="zh-CN" dirty="0" smtClean="0"/>
+          </a:p>
+          <a:p>
+            <a:r>
+              <a:rPr kumimoji="1" lang="zh-CN" altLang="en-US" dirty="0" smtClean="0"/>
+              <a:t>新增</a:t>
+            </a:r>
+            <a:r>
+              <a:rPr kumimoji="1" lang="zh-CN" altLang="en-US" dirty="0"/>
+              <a:t>的非主体元素</a:t>
+            </a:r>
+            <a:r>
+              <a:rPr kumimoji="1" lang="zh-CN" altLang="en-US" dirty="0" smtClean="0"/>
+              <a:t>结构</a:t>
+            </a:r>
+            <a:endParaRPr kumimoji="1" lang="en-US" altLang="zh-CN" dirty="0" smtClean="0"/>
+          </a:p>
+          <a:p>
+            <a:r>
+              <a:rPr kumimoji="1" lang="zh-CN" altLang="en-US" dirty="0" smtClean="0"/>
+              <a:t>常见</a:t>
+            </a:r>
+            <a:r>
+              <a:rPr kumimoji="1" lang="zh-CN" altLang="en-US" dirty="0"/>
+              <a:t>的布局</a:t>
+            </a:r>
+            <a:r>
+              <a:rPr kumimoji="1" lang="zh-CN" altLang="en-US" dirty="0" smtClean="0"/>
+              <a:t>方式</a:t>
+            </a:r>
+            <a:endParaRPr kumimoji="1" lang="en-US" altLang="zh-CN" dirty="0" smtClean="0"/>
           </a:p>
         </p:txBody>
       </p:sp>
     </p:spTree>
     <p:extLst>
       <p:ext uri="{BB962C8B-B14F-4D97-AF65-F5344CB8AC3E}">
-        <p14:creationId xmlns:p14="http://schemas.microsoft.com/office/powerpoint/2010/main" val="492067917"/>
+        <p14:creationId xmlns:p14="http://schemas.microsoft.com/office/powerpoint/2010/main" val="1713258270"/>
       </p:ext>
     </p:extLst>
   </p:cSld>
@@ -6884,182 +6550,9 @@
   <p:timing>
     <p:tnLst>
       <p:par>
-        <p:cTn id="1" dur="indefinite" restart="never" nodeType="tmRoot">
-          <p:childTnLst>
-            <p:seq concurrent="1" nextAc="seek">
-              <p:cTn id="2" dur="indefinite" nodeType="mainSeq">
-                <p:childTnLst>
-                  <p:par>
-                    <p:cTn id="3" fill="hold">
-                      <p:stCondLst>
-                        <p:cond delay="indefinite"/>
-                      </p:stCondLst>
-                      <p:childTnLst>
-                        <p:par>
-                          <p:cTn id="4" fill="hold">
-                            <p:stCondLst>
-                              <p:cond delay="0"/>
-                            </p:stCondLst>
-                            <p:childTnLst>
-                              <p:par>
-                                <p:cTn id="5" presetID="1" presetClass="entr" presetSubtype="0" fill="hold" grpId="0" nodeType="clickEffect">
-                                  <p:stCondLst>
-                                    <p:cond delay="0"/>
-                                  </p:stCondLst>
-                                  <p:childTnLst>
-                                    <p:set>
-                                      <p:cBhvr>
-                                        <p:cTn id="6" dur="1" fill="hold">
-                                          <p:stCondLst>
-                                            <p:cond delay="0"/>
-                                          </p:stCondLst>
-                                        </p:cTn>
-                                        <p:tgtEl>
-                                          <p:spTgt spid="3">
-                                            <p:txEl>
-                                              <p:pRg st="0" end="0"/>
-                                            </p:txEl>
-                                          </p:spTgt>
-                                        </p:tgtEl>
-                                        <p:attrNameLst>
-                                          <p:attrName>style.visibility</p:attrName>
-                                        </p:attrNameLst>
-                                      </p:cBhvr>
-                                      <p:to>
-                                        <p:strVal val="visible"/>
-                                      </p:to>
-                                    </p:set>
-                                  </p:childTnLst>
-                                </p:cTn>
-                              </p:par>
-                            </p:childTnLst>
-                          </p:cTn>
-                        </p:par>
-                      </p:childTnLst>
-                    </p:cTn>
-                  </p:par>
-                  <p:par>
-                    <p:cTn id="7" fill="hold">
-                      <p:stCondLst>
-                        <p:cond delay="indefinite"/>
-                      </p:stCondLst>
-                      <p:childTnLst>
-                        <p:par>
-                          <p:cTn id="8" fill="hold">
-                            <p:stCondLst>
-                              <p:cond delay="0"/>
-                            </p:stCondLst>
-                            <p:childTnLst>
-                              <p:par>
-                                <p:cTn id="9" presetID="1" presetClass="entr" presetSubtype="0" fill="hold" grpId="0" nodeType="clickEffect">
-                                  <p:stCondLst>
-                                    <p:cond delay="0"/>
-                                  </p:stCondLst>
-                                  <p:childTnLst>
-                                    <p:set>
-                                      <p:cBhvr>
-                                        <p:cTn id="10" dur="1" fill="hold">
-                                          <p:stCondLst>
-                                            <p:cond delay="0"/>
-                                          </p:stCondLst>
-                                        </p:cTn>
-                                        <p:tgtEl>
-                                          <p:spTgt spid="3">
-                                            <p:txEl>
-                                              <p:pRg st="1" end="1"/>
-                                            </p:txEl>
-                                          </p:spTgt>
-                                        </p:tgtEl>
-                                        <p:attrNameLst>
-                                          <p:attrName>style.visibility</p:attrName>
-                                        </p:attrNameLst>
-                                      </p:cBhvr>
-                                      <p:to>
-                                        <p:strVal val="visible"/>
-                                      </p:to>
-                                    </p:set>
-                                  </p:childTnLst>
-                                </p:cTn>
-                              </p:par>
-                            </p:childTnLst>
-                          </p:cTn>
-                        </p:par>
-                      </p:childTnLst>
-                    </p:cTn>
-                  </p:par>
-                  <p:par>
-                    <p:cTn id="11" fill="hold">
-                      <p:stCondLst>
-                        <p:cond delay="indefinite"/>
-                      </p:stCondLst>
-                      <p:childTnLst>
-                        <p:par>
-                          <p:cTn id="12" fill="hold">
-                            <p:stCondLst>
-                              <p:cond delay="0"/>
-                            </p:stCondLst>
-                            <p:childTnLst>
-                              <p:par>
-                                <p:cTn id="13" presetID="1" presetClass="entr" presetSubtype="0" fill="hold" grpId="0" nodeType="clickEffect">
-                                  <p:stCondLst>
-                                    <p:cond delay="0"/>
-                                  </p:stCondLst>
-                                  <p:childTnLst>
-                                    <p:set>
-                                      <p:cBhvr>
-                                        <p:cTn id="14" dur="1" fill="hold">
-                                          <p:stCondLst>
-                                            <p:cond delay="0"/>
-                                          </p:stCondLst>
-                                        </p:cTn>
-                                        <p:tgtEl>
-                                          <p:spTgt spid="3">
-                                            <p:txEl>
-                                              <p:pRg st="2" end="2"/>
-                                            </p:txEl>
-                                          </p:spTgt>
-                                        </p:tgtEl>
-                                        <p:attrNameLst>
-                                          <p:attrName>style.visibility</p:attrName>
-                                        </p:attrNameLst>
-                                      </p:cBhvr>
-                                      <p:to>
-                                        <p:strVal val="visible"/>
-                                      </p:to>
-                                    </p:set>
-                                  </p:childTnLst>
-                                </p:cTn>
-                              </p:par>
-                            </p:childTnLst>
-                          </p:cTn>
-                        </p:par>
-                      </p:childTnLst>
-                    </p:cTn>
-                  </p:par>
-                </p:childTnLst>
-              </p:cTn>
-              <p:prevCondLst>
-                <p:cond evt="onPrev" delay="0">
-                  <p:tgtEl>
-                    <p:sldTgt/>
-                  </p:tgtEl>
-                </p:cond>
-              </p:prevCondLst>
-              <p:nextCondLst>
-                <p:cond evt="onNext" delay="0">
-                  <p:tgtEl>
-                    <p:sldTgt/>
-                  </p:tgtEl>
-                </p:cond>
-              </p:nextCondLst>
-            </p:seq>
-          </p:childTnLst>
-        </p:cTn>
+        <p:cTn id="1" dur="indefinite" restart="never" nodeType="tmRoot"/>
       </p:par>
     </p:tnLst>
-    <p:bldLst>
-      <p:bldP spid="3" grpId="0" build="p"/>
-    </p:bldLst>
   </p:timing>
 </p:sld>
 </file>
@@ -7097,13 +6590,16 @@
           <a:lstStyle/>
           <a:p>
             <a:r>
-              <a:rPr kumimoji="1" lang="en-US" altLang="zh-CN" dirty="0" smtClean="0"/>
-              <a:t>HTML 5</a:t>
-            </a:r>
-            <a:r>
-              <a:rPr kumimoji="1" lang="zh-CN" altLang="en-US" dirty="0" smtClean="0"/>
-              <a:t>课程</a:t>
-            </a:r>
+              <a:rPr kumimoji="1" lang="zh-CN" altLang="en-US" dirty="0"/>
+              <a:t>认识新的网页结构</a:t>
+            </a:r>
+            <a:r>
+              <a:rPr kumimoji="1" lang="en-US" altLang="zh-CN" dirty="0"/>
+              <a:t/>
+            </a:r>
+            <a:br>
+              <a:rPr kumimoji="1" lang="en-US" altLang="zh-CN" dirty="0"/>
+            </a:br>
             <a:endParaRPr kumimoji="1" lang="zh-CN" altLang="en-US" dirty="0"/>
           </a:p>
         </p:txBody>
@@ -7118,308 +6614,11 @@
             <p:ph idx="1"/>
           </p:nvPr>
         </p:nvSpPr>
-        <p:spPr>
-          <a:xfrm>
-            <a:off x="677334" y="1436915"/>
-            <a:ext cx="8596668" cy="4604448"/>
-          </a:xfrm>
-        </p:spPr>
-        <p:txBody>
-          <a:bodyPr>
-            <a:normAutofit fontScale="92500" lnSpcReduction="10000"/>
-          </a:bodyPr>
-          <a:lstStyle/>
-          <a:p>
-            <a:r>
-              <a:rPr lang="en-US" altLang="zh-CN" dirty="0"/>
-              <a:t>1. HTML 5 </a:t>
-            </a:r>
-            <a:r>
-              <a:rPr lang="zh-CN" altLang="en-US" dirty="0" smtClean="0"/>
-              <a:t>介绍及开发前准备</a:t>
-            </a:r>
-          </a:p>
-          <a:p>
-            <a:pPr lvl="1"/>
-            <a:r>
-              <a:rPr lang="en-US" altLang="zh-CN" dirty="0" smtClean="0"/>
-              <a:t>H5</a:t>
-            </a:r>
-            <a:r>
-              <a:rPr lang="zh-CN" altLang="en-US" dirty="0" smtClean="0"/>
-              <a:t>是什么，有什么用，用在哪，和开发的环境需求</a:t>
-            </a:r>
-          </a:p>
-          <a:p>
-            <a:r>
-              <a:rPr kumimoji="1" lang="en-US" altLang="zh-CN" dirty="0" smtClean="0"/>
-              <a:t>2. </a:t>
-            </a:r>
-            <a:r>
-              <a:rPr lang="en-US" altLang="zh-CN" dirty="0"/>
-              <a:t>Html5</a:t>
-            </a:r>
-            <a:r>
-              <a:rPr lang="zh-CN" altLang="en-US" dirty="0" smtClean="0"/>
-              <a:t>基础，</a:t>
-            </a:r>
-            <a:r>
-              <a:rPr lang="en-US" altLang="zh-CN" dirty="0"/>
-              <a:t>Html5</a:t>
-            </a:r>
-            <a:r>
-              <a:rPr lang="zh-CN" altLang="en-US" dirty="0"/>
-              <a:t>新特性和编程</a:t>
-            </a:r>
-            <a:endParaRPr kumimoji="1" lang="zh-CN" altLang="en-US" dirty="0" smtClean="0"/>
-          </a:p>
-          <a:p>
-            <a:pPr lvl="1"/>
-            <a:r>
-              <a:rPr kumimoji="1" lang="en-US" altLang="zh-CN" dirty="0" smtClean="0"/>
-              <a:t>H5</a:t>
-            </a:r>
-            <a:r>
-              <a:rPr kumimoji="1" lang="zh-CN" altLang="en-US" dirty="0" smtClean="0"/>
-              <a:t>标签的介绍</a:t>
-            </a:r>
-            <a:r>
-              <a:rPr kumimoji="1" lang="en-US" altLang="zh-CN" dirty="0" smtClean="0"/>
-              <a:t>(</a:t>
-            </a:r>
-            <a:r>
-              <a:rPr lang="en-US" dirty="0" smtClean="0"/>
-              <a:t>article</a:t>
-            </a:r>
-            <a:r>
-              <a:rPr lang="zh-CN" altLang="en-US" dirty="0" smtClean="0"/>
-              <a:t>、</a:t>
-            </a:r>
-            <a:r>
-              <a:rPr lang="en-US" dirty="0" smtClean="0"/>
-              <a:t>section</a:t>
-            </a:r>
-            <a:r>
-              <a:rPr lang="zh-CN" altLang="en-US" dirty="0" smtClean="0"/>
-              <a:t>、</a:t>
-            </a:r>
-            <a:r>
-              <a:rPr lang="en-US" dirty="0" smtClean="0"/>
-              <a:t>aside</a:t>
-            </a:r>
-            <a:r>
-              <a:rPr lang="zh-CN" altLang="en-US" dirty="0" smtClean="0"/>
-              <a:t>、</a:t>
-            </a:r>
-            <a:r>
-              <a:rPr lang="en-US" altLang="zh-CN" dirty="0" err="1" smtClean="0"/>
-              <a:t>nav</a:t>
-            </a:r>
-            <a:r>
-              <a:rPr lang="zh-CN" altLang="en-US" dirty="0" smtClean="0"/>
-              <a:t>、</a:t>
-            </a:r>
-            <a:r>
-              <a:rPr lang="en-US" altLang="zh-CN" dirty="0" smtClean="0"/>
-              <a:t>time</a:t>
-            </a:r>
-            <a:r>
-              <a:rPr lang="zh-CN" altLang="en-US" dirty="0" smtClean="0"/>
-              <a:t>、</a:t>
-            </a:r>
-            <a:r>
-              <a:rPr lang="en-US" dirty="0" smtClean="0"/>
-              <a:t>address</a:t>
-            </a:r>
-            <a:r>
-              <a:rPr kumimoji="1" lang="en-US" altLang="zh-CN" dirty="0" smtClean="0"/>
-              <a:t>)</a:t>
-            </a:r>
-          </a:p>
-          <a:p>
-            <a:pPr lvl="1"/>
-            <a:r>
-              <a:rPr kumimoji="1" lang="zh-CN" altLang="en-US" dirty="0"/>
-              <a:t>多媒体</a:t>
-            </a:r>
-            <a:r>
-              <a:rPr kumimoji="1" lang="en-US" altLang="zh-CN" dirty="0"/>
-              <a:t>video</a:t>
-            </a:r>
-            <a:r>
-              <a:rPr kumimoji="1" lang="zh-CN" altLang="en-US" dirty="0"/>
-              <a:t>、</a:t>
-            </a:r>
-            <a:r>
-              <a:rPr kumimoji="1" lang="en-US" altLang="zh-CN" dirty="0"/>
-              <a:t>audio</a:t>
-            </a:r>
-            <a:r>
-              <a:rPr kumimoji="1" lang="zh-CN" altLang="en-US" dirty="0"/>
-              <a:t>，画图</a:t>
-            </a:r>
-            <a:r>
-              <a:rPr kumimoji="1" lang="en-US" altLang="zh-CN" dirty="0"/>
-              <a:t>canvas</a:t>
-            </a:r>
-            <a:r>
-              <a:rPr kumimoji="1" lang="zh-CN" altLang="en-US" dirty="0"/>
-              <a:t>、</a:t>
-            </a:r>
-            <a:r>
-              <a:rPr kumimoji="1" lang="zh-CN" altLang="en-US" dirty="0" smtClean="0"/>
-              <a:t>定位</a:t>
-            </a:r>
-            <a:endParaRPr kumimoji="1" lang="en-US" altLang="zh-CN" dirty="0" smtClean="0"/>
-          </a:p>
-          <a:p>
-            <a:r>
-              <a:rPr kumimoji="1" lang="en-US" altLang="zh-CN" dirty="0" smtClean="0"/>
-              <a:t>3. </a:t>
-            </a:r>
-            <a:r>
-              <a:rPr lang="en-US" altLang="zh-CN" dirty="0" smtClean="0"/>
-              <a:t>Css3</a:t>
-            </a:r>
-            <a:r>
-              <a:rPr lang="zh-CN" altLang="en-US" dirty="0" smtClean="0"/>
-              <a:t>介绍及应用操作</a:t>
-            </a:r>
-            <a:endParaRPr kumimoji="1" lang="en-US" altLang="zh-CN" dirty="0" smtClean="0"/>
-          </a:p>
-          <a:p>
-            <a:pPr lvl="1"/>
-            <a:r>
-              <a:rPr kumimoji="1" lang="en-US" altLang="zh-CN" dirty="0" err="1" smtClean="0"/>
-              <a:t>Css</a:t>
-            </a:r>
-            <a:r>
-              <a:rPr kumimoji="1" lang="zh-CN" altLang="en-US" dirty="0" smtClean="0"/>
-              <a:t>、</a:t>
-            </a:r>
-            <a:r>
-              <a:rPr kumimoji="1" lang="en-US" altLang="zh-CN" dirty="0" smtClean="0"/>
-              <a:t>css3</a:t>
-            </a:r>
-            <a:r>
-              <a:rPr kumimoji="1" lang="zh-CN" altLang="en-US" dirty="0" smtClean="0"/>
-              <a:t>简介</a:t>
-            </a:r>
-          </a:p>
-          <a:p>
-            <a:pPr lvl="1"/>
-            <a:r>
-              <a:rPr kumimoji="1" lang="en-US" altLang="zh-CN" dirty="0" smtClean="0"/>
-              <a:t>css3</a:t>
-            </a:r>
-            <a:r>
-              <a:rPr kumimoji="1" lang="zh-CN" altLang="en-US" dirty="0" smtClean="0"/>
-              <a:t>动画</a:t>
-            </a:r>
-          </a:p>
-          <a:p>
-            <a:r>
-              <a:rPr kumimoji="1" lang="en-US" altLang="zh-CN" dirty="0" smtClean="0"/>
-              <a:t>4.</a:t>
-            </a:r>
-            <a:r>
-              <a:rPr kumimoji="1" lang="zh-CN" altLang="en-US" dirty="0" smtClean="0"/>
-              <a:t> </a:t>
-            </a:r>
-            <a:r>
-              <a:rPr lang="en-US" altLang="zh-CN" dirty="0" err="1" smtClean="0"/>
-              <a:t>Javascript</a:t>
-            </a:r>
-            <a:r>
-              <a:rPr lang="zh-CN" altLang="en-US" dirty="0" smtClean="0"/>
-              <a:t>介绍，</a:t>
-            </a:r>
-            <a:r>
-              <a:rPr lang="en-US" altLang="zh-CN" dirty="0" err="1" smtClean="0"/>
-              <a:t>Jquery</a:t>
-            </a:r>
-            <a:r>
-              <a:rPr lang="zh-CN" altLang="en-US" dirty="0" smtClean="0"/>
-              <a:t>库介绍及使用操作</a:t>
-            </a:r>
-            <a:endParaRPr kumimoji="1" lang="zh-CN" altLang="en-US" dirty="0" smtClean="0"/>
-          </a:p>
-          <a:p>
-            <a:pPr lvl="1"/>
-            <a:r>
-              <a:rPr lang="en-US" altLang="zh-CN" dirty="0" err="1"/>
-              <a:t>Javascript</a:t>
-            </a:r>
-            <a:r>
-              <a:rPr lang="en-US" altLang="zh-CN" dirty="0"/>
-              <a:t> </a:t>
-            </a:r>
-            <a:r>
-              <a:rPr lang="zh-CN" altLang="en-US" dirty="0" smtClean="0"/>
-              <a:t>介绍，</a:t>
-            </a:r>
-            <a:r>
-              <a:rPr lang="en-US" altLang="zh-CN" dirty="0" err="1" smtClean="0"/>
-              <a:t>js</a:t>
-            </a:r>
-            <a:r>
-              <a:rPr lang="zh-CN" altLang="en-US" dirty="0" smtClean="0"/>
-              <a:t>库介绍</a:t>
-            </a:r>
-          </a:p>
-          <a:p>
-            <a:pPr lvl="1"/>
-            <a:r>
-              <a:rPr kumimoji="1" lang="en-US" altLang="zh-CN" dirty="0" err="1" smtClean="0"/>
-              <a:t>Jquery</a:t>
-            </a:r>
-            <a:r>
-              <a:rPr kumimoji="1" lang="zh-CN" altLang="en-US" dirty="0" smtClean="0"/>
-              <a:t>库的基本用法</a:t>
-            </a:r>
-            <a:endParaRPr kumimoji="1" lang="en-US" altLang="zh-CN" dirty="0" smtClean="0"/>
-          </a:p>
-          <a:p>
-            <a:r>
-              <a:rPr kumimoji="1" lang="en-US" altLang="zh-CN" dirty="0" smtClean="0"/>
-              <a:t>5 .</a:t>
-            </a:r>
-            <a:r>
-              <a:rPr lang="en-US" altLang="zh-CN" dirty="0"/>
-              <a:t> Html5</a:t>
-            </a:r>
-            <a:r>
-              <a:rPr lang="zh-CN" altLang="en-US" dirty="0"/>
-              <a:t>数据存储技术及使用操作</a:t>
-            </a:r>
-            <a:endParaRPr kumimoji="1" lang="zh-CN" altLang="en-US" dirty="0" smtClean="0"/>
-          </a:p>
-          <a:p>
-            <a:pPr lvl="1"/>
-            <a:r>
-              <a:rPr kumimoji="1" lang="en-US" altLang="zh-CN" dirty="0"/>
-              <a:t>Cookies</a:t>
-            </a:r>
-            <a:r>
-              <a:rPr kumimoji="1" lang="zh-CN" altLang="en-US" dirty="0" smtClean="0"/>
-              <a:t>、</a:t>
-            </a:r>
-            <a:r>
-              <a:rPr kumimoji="1" lang="en-US" altLang="zh-CN" dirty="0" err="1" smtClean="0"/>
-              <a:t>indexedDB</a:t>
-            </a:r>
-            <a:r>
-              <a:rPr kumimoji="1" lang="zh-CN" altLang="en-US" dirty="0"/>
-              <a:t>、</a:t>
-            </a:r>
-            <a:r>
-              <a:rPr kumimoji="1" lang="en-US" altLang="zh-CN" dirty="0" smtClean="0"/>
-              <a:t>Cache</a:t>
-            </a:r>
-            <a:r>
-              <a:rPr kumimoji="1" lang="zh-CN" altLang="en-US" dirty="0" smtClean="0"/>
-              <a:t>的技术</a:t>
-            </a:r>
+        <p:spPr/>
+        <p:txBody>
+          <a:bodyPr/>
+          <a:lstStyle/>
+          <a:p>
             <a:endParaRPr kumimoji="1" lang="zh-CN" altLang="en-US" dirty="0"/>
           </a:p>
         </p:txBody>
@@ -7427,1479 +6626,13 @@
     </p:spTree>
     <p:extLst>
       <p:ext uri="{BB962C8B-B14F-4D97-AF65-F5344CB8AC3E}">
-        <p14:creationId xmlns:p14="http://schemas.microsoft.com/office/powerpoint/2010/main" val="1649760492"/>
+        <p14:creationId xmlns:p14="http://schemas.microsoft.com/office/powerpoint/2010/main" val="42999170"/>
       </p:ext>
     </p:extLst>
   </p:cSld>
   <p:clrMapOvr>
     <a:masterClrMapping/>
   </p:clrMapOvr>
-  <p:timing>
-    <p:tnLst>
-      <p:par>
-        <p:cTn id="1" dur="indefinite" restart="never" nodeType="tmRoot">
-          <p:childTnLst>
-            <p:seq concurrent="1" nextAc="seek">
-              <p:cTn id="2" dur="indefinite" nodeType="mainSeq">
-                <p:childTnLst>
-                  <p:par>
-                    <p:cTn id="3" fill="hold">
-                      <p:stCondLst>
-                        <p:cond delay="indefinite"/>
-                      </p:stCondLst>
-                      <p:childTnLst>
-                        <p:par>
-                          <p:cTn id="4" fill="hold">
-                            <p:stCondLst>
-                              <p:cond delay="0"/>
-                            </p:stCondLst>
-                            <p:childTnLst>
-                              <p:par>
-                                <p:cTn id="5" presetID="10" presetClass="entr" presetSubtype="0" fill="hold" grpId="0" nodeType="clickEffect">
-                                  <p:stCondLst>
-                                    <p:cond delay="0"/>
-                                  </p:stCondLst>
-                                  <p:childTnLst>
-                                    <p:set>
-                                      <p:cBhvr>
-                                        <p:cTn id="6" dur="1" fill="hold">
-                                          <p:stCondLst>
-                                            <p:cond delay="0"/>
-                                          </p:stCondLst>
-                                        </p:cTn>
-                                        <p:tgtEl>
-                                          <p:spTgt spid="3">
-                                            <p:txEl>
-                                              <p:pRg st="0" end="0"/>
-                                            </p:txEl>
-                                          </p:spTgt>
-                                        </p:tgtEl>
-                                        <p:attrNameLst>
-                                          <p:attrName>style.visibility</p:attrName>
-                                        </p:attrNameLst>
-                                      </p:cBhvr>
-                                      <p:to>
-                                        <p:strVal val="visible"/>
-                                      </p:to>
-                                    </p:set>
-                                    <p:animEffect transition="in" filter="fade">
-                                      <p:cBhvr>
-                                        <p:cTn id="7" dur="500"/>
-                                        <p:tgtEl>
-                                          <p:spTgt spid="3">
-                                            <p:txEl>
-                                              <p:pRg st="0" end="0"/>
-                                            </p:txEl>
-                                          </p:spTgt>
-                                        </p:tgtEl>
-                                      </p:cBhvr>
-                                    </p:animEffect>
-                                  </p:childTnLst>
-                                </p:cTn>
-                              </p:par>
-                              <p:par>
-                                <p:cTn id="8" presetID="10" presetClass="entr" presetSubtype="0" fill="hold" grpId="0" nodeType="withEffect">
-                                  <p:stCondLst>
-                                    <p:cond delay="0"/>
-                                  </p:stCondLst>
-                                  <p:childTnLst>
-                                    <p:set>
-                                      <p:cBhvr>
-                                        <p:cTn id="9" dur="1" fill="hold">
-                                          <p:stCondLst>
-                                            <p:cond delay="0"/>
-                                          </p:stCondLst>
-                                        </p:cTn>
-                                        <p:tgtEl>
-                                          <p:spTgt spid="3">
-                                            <p:txEl>
-                                              <p:pRg st="1" end="1"/>
-                                            </p:txEl>
-                                          </p:spTgt>
-                                        </p:tgtEl>
-                                        <p:attrNameLst>
-                                          <p:attrName>style.visibility</p:attrName>
-                                        </p:attrNameLst>
-                                      </p:cBhvr>
-                                      <p:to>
-                                        <p:strVal val="visible"/>
-                                      </p:to>
-                                    </p:set>
-                                    <p:animEffect transition="in" filter="fade">
-                                      <p:cBhvr>
-                                        <p:cTn id="10" dur="500"/>
-                                        <p:tgtEl>
-                                          <p:spTgt spid="3">
-                                            <p:txEl>
-                                              <p:pRg st="1" end="1"/>
-                                            </p:txEl>
-                                          </p:spTgt>
-                                        </p:tgtEl>
-                                      </p:cBhvr>
-                                    </p:animEffect>
-                                  </p:childTnLst>
-                                </p:cTn>
-                              </p:par>
-                            </p:childTnLst>
-                          </p:cTn>
-                        </p:par>
-                      </p:childTnLst>
-                    </p:cTn>
-                  </p:par>
-                  <p:par>
-                    <p:cTn id="11" fill="hold">
-                      <p:stCondLst>
-                        <p:cond delay="indefinite"/>
-                      </p:stCondLst>
-                      <p:childTnLst>
-                        <p:par>
-                          <p:cTn id="12" fill="hold">
-                            <p:stCondLst>
-                              <p:cond delay="0"/>
-                            </p:stCondLst>
-                            <p:childTnLst>
-                              <p:par>
-                                <p:cTn id="13" presetID="10" presetClass="entr" presetSubtype="0" fill="hold" grpId="0" nodeType="clickEffect">
-                                  <p:stCondLst>
-                                    <p:cond delay="0"/>
-                                  </p:stCondLst>
-                                  <p:childTnLst>
-                                    <p:set>
-                                      <p:cBhvr>
-                                        <p:cTn id="14" dur="1" fill="hold">
-                                          <p:stCondLst>
-                                            <p:cond delay="0"/>
-                                          </p:stCondLst>
-                                        </p:cTn>
-                                        <p:tgtEl>
-                                          <p:spTgt spid="3">
-                                            <p:txEl>
-                                              <p:pRg st="2" end="2"/>
-                                            </p:txEl>
-                                          </p:spTgt>
-                                        </p:tgtEl>
-                                        <p:attrNameLst>
-                                          <p:attrName>style.visibility</p:attrName>
-                                        </p:attrNameLst>
-                                      </p:cBhvr>
-                                      <p:to>
-                                        <p:strVal val="visible"/>
-                                      </p:to>
-                                    </p:set>
-                                    <p:animEffect transition="in" filter="fade">
-                                      <p:cBhvr>
-                                        <p:cTn id="15" dur="500"/>
-                                        <p:tgtEl>
-                                          <p:spTgt spid="3">
-                                            <p:txEl>
-                                              <p:pRg st="2" end="2"/>
-                                            </p:txEl>
-                                          </p:spTgt>
-                                        </p:tgtEl>
-                                      </p:cBhvr>
-                                    </p:animEffect>
-                                  </p:childTnLst>
-                                </p:cTn>
-                              </p:par>
-                              <p:par>
-                                <p:cTn id="16" presetID="10" presetClass="entr" presetSubtype="0" fill="hold" grpId="0" nodeType="withEffect">
-                                  <p:stCondLst>
-                                    <p:cond delay="0"/>
-                                  </p:stCondLst>
-                                  <p:childTnLst>
-                                    <p:set>
-                                      <p:cBhvr>
-                                        <p:cTn id="17" dur="1" fill="hold">
-                                          <p:stCondLst>
-                                            <p:cond delay="0"/>
-                                          </p:stCondLst>
-                                        </p:cTn>
-                                        <p:tgtEl>
-                                          <p:spTgt spid="3">
-                                            <p:txEl>
-                                              <p:pRg st="3" end="3"/>
-                                            </p:txEl>
-                                          </p:spTgt>
-                                        </p:tgtEl>
-                                        <p:attrNameLst>
-                                          <p:attrName>style.visibility</p:attrName>
-                                        </p:attrNameLst>
-                                      </p:cBhvr>
-                                      <p:to>
-                                        <p:strVal val="visible"/>
-                                      </p:to>
-                                    </p:set>
-                                    <p:animEffect transition="in" filter="fade">
-                                      <p:cBhvr>
-                                        <p:cTn id="18" dur="500"/>
-                                        <p:tgtEl>
-                                          <p:spTgt spid="3">
-                                            <p:txEl>
-                                              <p:pRg st="3" end="3"/>
-                                            </p:txEl>
-                                          </p:spTgt>
-                                        </p:tgtEl>
-                                      </p:cBhvr>
-                                    </p:animEffect>
-                                  </p:childTnLst>
-                                </p:cTn>
-                              </p:par>
-                              <p:par>
-                                <p:cTn id="19" presetID="10" presetClass="entr" presetSubtype="0" fill="hold" grpId="0" nodeType="withEffect">
-                                  <p:stCondLst>
-                                    <p:cond delay="0"/>
-                                  </p:stCondLst>
-                                  <p:childTnLst>
-                                    <p:set>
-                                      <p:cBhvr>
-                                        <p:cTn id="20" dur="1" fill="hold">
-                                          <p:stCondLst>
-                                            <p:cond delay="0"/>
-                                          </p:stCondLst>
-                                        </p:cTn>
-                                        <p:tgtEl>
-                                          <p:spTgt spid="3">
-                                            <p:txEl>
-                                              <p:pRg st="4" end="4"/>
-                                            </p:txEl>
-                                          </p:spTgt>
-                                        </p:tgtEl>
-                                        <p:attrNameLst>
-                                          <p:attrName>style.visibility</p:attrName>
-                                        </p:attrNameLst>
-                                      </p:cBhvr>
-                                      <p:to>
-                                        <p:strVal val="visible"/>
-                                      </p:to>
-                                    </p:set>
-                                    <p:animEffect transition="in" filter="fade">
-                                      <p:cBhvr>
-                                        <p:cTn id="21" dur="500"/>
-                                        <p:tgtEl>
-                                          <p:spTgt spid="3">
-                                            <p:txEl>
-                                              <p:pRg st="4" end="4"/>
-                                            </p:txEl>
-                                          </p:spTgt>
-                                        </p:tgtEl>
-                                      </p:cBhvr>
-                                    </p:animEffect>
-                                  </p:childTnLst>
-                                </p:cTn>
-                              </p:par>
-                            </p:childTnLst>
-                          </p:cTn>
-                        </p:par>
-                      </p:childTnLst>
-                    </p:cTn>
-                  </p:par>
-                  <p:par>
-                    <p:cTn id="22" fill="hold">
-                      <p:stCondLst>
-                        <p:cond delay="indefinite"/>
-                      </p:stCondLst>
-                      <p:childTnLst>
-                        <p:par>
-                          <p:cTn id="23" fill="hold">
-                            <p:stCondLst>
-                              <p:cond delay="0"/>
-                            </p:stCondLst>
-                            <p:childTnLst>
-                              <p:par>
-                                <p:cTn id="24" presetID="10" presetClass="entr" presetSubtype="0" fill="hold" grpId="0" nodeType="clickEffect">
-                                  <p:stCondLst>
-                                    <p:cond delay="0"/>
-                                  </p:stCondLst>
-                                  <p:childTnLst>
-                                    <p:set>
-                                      <p:cBhvr>
-                                        <p:cTn id="25" dur="1" fill="hold">
-                                          <p:stCondLst>
-                                            <p:cond delay="0"/>
-                                          </p:stCondLst>
-                                        </p:cTn>
-                                        <p:tgtEl>
-                                          <p:spTgt spid="3">
-                                            <p:txEl>
-                                              <p:pRg st="5" end="5"/>
-                                            </p:txEl>
-                                          </p:spTgt>
-                                        </p:tgtEl>
-                                        <p:attrNameLst>
-                                          <p:attrName>style.visibility</p:attrName>
-                                        </p:attrNameLst>
-                                      </p:cBhvr>
-                                      <p:to>
-                                        <p:strVal val="visible"/>
-                                      </p:to>
-                                    </p:set>
-                                    <p:animEffect transition="in" filter="fade">
-                                      <p:cBhvr>
-                                        <p:cTn id="26" dur="500"/>
-                                        <p:tgtEl>
-                                          <p:spTgt spid="3">
-                                            <p:txEl>
-                                              <p:pRg st="5" end="5"/>
-                                            </p:txEl>
-                                          </p:spTgt>
-                                        </p:tgtEl>
-                                      </p:cBhvr>
-                                    </p:animEffect>
-                                  </p:childTnLst>
-                                </p:cTn>
-                              </p:par>
-                              <p:par>
-                                <p:cTn id="27" presetID="10" presetClass="entr" presetSubtype="0" fill="hold" grpId="0" nodeType="withEffect">
-                                  <p:stCondLst>
-                                    <p:cond delay="0"/>
-                                  </p:stCondLst>
-                                  <p:childTnLst>
-                                    <p:set>
-                                      <p:cBhvr>
-                                        <p:cTn id="28" dur="1" fill="hold">
-                                          <p:stCondLst>
-                                            <p:cond delay="0"/>
-                                          </p:stCondLst>
-                                        </p:cTn>
-                                        <p:tgtEl>
-                                          <p:spTgt spid="3">
-                                            <p:txEl>
-                                              <p:pRg st="6" end="6"/>
-                                            </p:txEl>
-                                          </p:spTgt>
-                                        </p:tgtEl>
-                                        <p:attrNameLst>
-                                          <p:attrName>style.visibility</p:attrName>
-                                        </p:attrNameLst>
-                                      </p:cBhvr>
-                                      <p:to>
-                                        <p:strVal val="visible"/>
-                                      </p:to>
-                                    </p:set>
-                                    <p:animEffect transition="in" filter="fade">
-                                      <p:cBhvr>
-                                        <p:cTn id="29" dur="500"/>
-                                        <p:tgtEl>
-                                          <p:spTgt spid="3">
-                                            <p:txEl>
-                                              <p:pRg st="6" end="6"/>
-                                            </p:txEl>
-                                          </p:spTgt>
-                                        </p:tgtEl>
-                                      </p:cBhvr>
-                                    </p:animEffect>
-                                  </p:childTnLst>
-                                </p:cTn>
-                              </p:par>
-                              <p:par>
-                                <p:cTn id="30" presetID="10" presetClass="entr" presetSubtype="0" fill="hold" grpId="0" nodeType="withEffect">
-                                  <p:stCondLst>
-                                    <p:cond delay="0"/>
-                                  </p:stCondLst>
-                                  <p:childTnLst>
-                                    <p:set>
-                                      <p:cBhvr>
-                                        <p:cTn id="31" dur="1" fill="hold">
-                                          <p:stCondLst>
-                                            <p:cond delay="0"/>
-                                          </p:stCondLst>
-                                        </p:cTn>
-                                        <p:tgtEl>
-                                          <p:spTgt spid="3">
-                                            <p:txEl>
-                                              <p:pRg st="7" end="7"/>
-                                            </p:txEl>
-                                          </p:spTgt>
-                                        </p:tgtEl>
-                                        <p:attrNameLst>
-                                          <p:attrName>style.visibility</p:attrName>
-                                        </p:attrNameLst>
-                                      </p:cBhvr>
-                                      <p:to>
-                                        <p:strVal val="visible"/>
-                                      </p:to>
-                                    </p:set>
-                                    <p:animEffect transition="in" filter="fade">
-                                      <p:cBhvr>
-                                        <p:cTn id="32" dur="500"/>
-                                        <p:tgtEl>
-                                          <p:spTgt spid="3">
-                                            <p:txEl>
-                                              <p:pRg st="7" end="7"/>
-                                            </p:txEl>
-                                          </p:spTgt>
-                                        </p:tgtEl>
-                                      </p:cBhvr>
-                                    </p:animEffect>
-                                  </p:childTnLst>
-                                </p:cTn>
-                              </p:par>
-                            </p:childTnLst>
-                          </p:cTn>
-                        </p:par>
-                      </p:childTnLst>
-                    </p:cTn>
-                  </p:par>
-                  <p:par>
-                    <p:cTn id="33" fill="hold">
-                      <p:stCondLst>
-                        <p:cond delay="indefinite"/>
-                      </p:stCondLst>
-                      <p:childTnLst>
-                        <p:par>
-                          <p:cTn id="34" fill="hold">
-                            <p:stCondLst>
-                              <p:cond delay="0"/>
-                            </p:stCondLst>
-                            <p:childTnLst>
-                              <p:par>
-                                <p:cTn id="35" presetID="10" presetClass="entr" presetSubtype="0" fill="hold" grpId="0" nodeType="clickEffect">
-                                  <p:stCondLst>
-                                    <p:cond delay="0"/>
-                                  </p:stCondLst>
-                                  <p:childTnLst>
-                                    <p:set>
-                                      <p:cBhvr>
-                                        <p:cTn id="36" dur="1" fill="hold">
-                                          <p:stCondLst>
-                                            <p:cond delay="0"/>
-                                          </p:stCondLst>
-                                        </p:cTn>
-                                        <p:tgtEl>
-                                          <p:spTgt spid="3">
-                                            <p:txEl>
-                                              <p:pRg st="8" end="8"/>
-                                            </p:txEl>
-                                          </p:spTgt>
-                                        </p:tgtEl>
-                                        <p:attrNameLst>
-                                          <p:attrName>style.visibility</p:attrName>
-                                        </p:attrNameLst>
-                                      </p:cBhvr>
-                                      <p:to>
-                                        <p:strVal val="visible"/>
-                                      </p:to>
-                                    </p:set>
-                                    <p:animEffect transition="in" filter="fade">
-                                      <p:cBhvr>
-                                        <p:cTn id="37" dur="500"/>
-                                        <p:tgtEl>
-                                          <p:spTgt spid="3">
-                                            <p:txEl>
-                                              <p:pRg st="8" end="8"/>
-                                            </p:txEl>
-                                          </p:spTgt>
-                                        </p:tgtEl>
-                                      </p:cBhvr>
-                                    </p:animEffect>
-                                  </p:childTnLst>
-                                </p:cTn>
-                              </p:par>
-                              <p:par>
-                                <p:cTn id="38" presetID="10" presetClass="entr" presetSubtype="0" fill="hold" grpId="0" nodeType="withEffect">
-                                  <p:stCondLst>
-                                    <p:cond delay="0"/>
-                                  </p:stCondLst>
-                                  <p:childTnLst>
-                                    <p:set>
-                                      <p:cBhvr>
-                                        <p:cTn id="39" dur="1" fill="hold">
-                                          <p:stCondLst>
-                                            <p:cond delay="0"/>
-                                          </p:stCondLst>
-                                        </p:cTn>
-                                        <p:tgtEl>
-                                          <p:spTgt spid="3">
-                                            <p:txEl>
-                                              <p:pRg st="9" end="9"/>
-                                            </p:txEl>
-                                          </p:spTgt>
-                                        </p:tgtEl>
-                                        <p:attrNameLst>
-                                          <p:attrName>style.visibility</p:attrName>
-                                        </p:attrNameLst>
-                                      </p:cBhvr>
-                                      <p:to>
-                                        <p:strVal val="visible"/>
-                                      </p:to>
-                                    </p:set>
-                                    <p:animEffect transition="in" filter="fade">
-                                      <p:cBhvr>
-                                        <p:cTn id="40" dur="500"/>
-                                        <p:tgtEl>
-                                          <p:spTgt spid="3">
-                                            <p:txEl>
-                                              <p:pRg st="9" end="9"/>
-                                            </p:txEl>
-                                          </p:spTgt>
-                                        </p:tgtEl>
-                                      </p:cBhvr>
-                                    </p:animEffect>
-                                  </p:childTnLst>
-                                </p:cTn>
-                              </p:par>
-                              <p:par>
-                                <p:cTn id="41" presetID="10" presetClass="entr" presetSubtype="0" fill="hold" grpId="0" nodeType="withEffect">
-                                  <p:stCondLst>
-                                    <p:cond delay="0"/>
-                                  </p:stCondLst>
-                                  <p:childTnLst>
-                                    <p:set>
-                                      <p:cBhvr>
-                                        <p:cTn id="42" dur="1" fill="hold">
-                                          <p:stCondLst>
-                                            <p:cond delay="0"/>
-                                          </p:stCondLst>
-                                        </p:cTn>
-                                        <p:tgtEl>
-                                          <p:spTgt spid="3">
-                                            <p:txEl>
-                                              <p:pRg st="10" end="10"/>
-                                            </p:txEl>
-                                          </p:spTgt>
-                                        </p:tgtEl>
-                                        <p:attrNameLst>
-                                          <p:attrName>style.visibility</p:attrName>
-                                        </p:attrNameLst>
-                                      </p:cBhvr>
-                                      <p:to>
-                                        <p:strVal val="visible"/>
-                                      </p:to>
-                                    </p:set>
-                                    <p:animEffect transition="in" filter="fade">
-                                      <p:cBhvr>
-                                        <p:cTn id="43" dur="500"/>
-                                        <p:tgtEl>
-                                          <p:spTgt spid="3">
-                                            <p:txEl>
-                                              <p:pRg st="10" end="10"/>
-                                            </p:txEl>
-                                          </p:spTgt>
-                                        </p:tgtEl>
-                                      </p:cBhvr>
-                                    </p:animEffect>
-                                  </p:childTnLst>
-                                </p:cTn>
-                              </p:par>
-                            </p:childTnLst>
-                          </p:cTn>
-                        </p:par>
-                      </p:childTnLst>
-                    </p:cTn>
-                  </p:par>
-                  <p:par>
-                    <p:cTn id="44" fill="hold">
-                      <p:stCondLst>
-                        <p:cond delay="indefinite"/>
-                      </p:stCondLst>
-                      <p:childTnLst>
-                        <p:par>
-                          <p:cTn id="45" fill="hold">
-                            <p:stCondLst>
-                              <p:cond delay="0"/>
-                            </p:stCondLst>
-                            <p:childTnLst>
-                              <p:par>
-                                <p:cTn id="46" presetID="10" presetClass="entr" presetSubtype="0" fill="hold" grpId="0" nodeType="clickEffect">
-                                  <p:stCondLst>
-                                    <p:cond delay="0"/>
-                                  </p:stCondLst>
-                                  <p:childTnLst>
-                                    <p:set>
-                                      <p:cBhvr>
-                                        <p:cTn id="47" dur="1" fill="hold">
-                                          <p:stCondLst>
-                                            <p:cond delay="0"/>
-                                          </p:stCondLst>
-                                        </p:cTn>
-                                        <p:tgtEl>
-                                          <p:spTgt spid="3">
-                                            <p:txEl>
-                                              <p:pRg st="11" end="11"/>
-                                            </p:txEl>
-                                          </p:spTgt>
-                                        </p:tgtEl>
-                                        <p:attrNameLst>
-                                          <p:attrName>style.visibility</p:attrName>
-                                        </p:attrNameLst>
-                                      </p:cBhvr>
-                                      <p:to>
-                                        <p:strVal val="visible"/>
-                                      </p:to>
-                                    </p:set>
-                                    <p:animEffect transition="in" filter="fade">
-                                      <p:cBhvr>
-                                        <p:cTn id="48" dur="500"/>
-                                        <p:tgtEl>
-                                          <p:spTgt spid="3">
-                                            <p:txEl>
-                                              <p:pRg st="11" end="11"/>
-                                            </p:txEl>
-                                          </p:spTgt>
-                                        </p:tgtEl>
-                                      </p:cBhvr>
-                                    </p:animEffect>
-                                  </p:childTnLst>
-                                </p:cTn>
-                              </p:par>
-                              <p:par>
-                                <p:cTn id="49" presetID="10" presetClass="entr" presetSubtype="0" fill="hold" grpId="0" nodeType="withEffect">
-                                  <p:stCondLst>
-                                    <p:cond delay="0"/>
-                                  </p:stCondLst>
-                                  <p:childTnLst>
-                                    <p:set>
-                                      <p:cBhvr>
-                                        <p:cTn id="50" dur="1" fill="hold">
-                                          <p:stCondLst>
-                                            <p:cond delay="0"/>
-                                          </p:stCondLst>
-                                        </p:cTn>
-                                        <p:tgtEl>
-                                          <p:spTgt spid="3">
-                                            <p:txEl>
-                                              <p:pRg st="12" end="12"/>
-                                            </p:txEl>
-                                          </p:spTgt>
-                                        </p:tgtEl>
-                                        <p:attrNameLst>
-                                          <p:attrName>style.visibility</p:attrName>
-                                        </p:attrNameLst>
-                                      </p:cBhvr>
-                                      <p:to>
-                                        <p:strVal val="visible"/>
-                                      </p:to>
-                                    </p:set>
-                                    <p:animEffect transition="in" filter="fade">
-                                      <p:cBhvr>
-                                        <p:cTn id="51" dur="500"/>
-                                        <p:tgtEl>
-                                          <p:spTgt spid="3">
-                                            <p:txEl>
-                                              <p:pRg st="12" end="12"/>
-                                            </p:txEl>
-                                          </p:spTgt>
-                                        </p:tgtEl>
-                                      </p:cBhvr>
-                                    </p:animEffect>
-                                  </p:childTnLst>
-                                </p:cTn>
-                              </p:par>
-                            </p:childTnLst>
-                          </p:cTn>
-                        </p:par>
-                      </p:childTnLst>
-                    </p:cTn>
-                  </p:par>
-                </p:childTnLst>
-              </p:cTn>
-              <p:prevCondLst>
-                <p:cond evt="onPrev" delay="0">
-                  <p:tgtEl>
-                    <p:sldTgt/>
-                  </p:tgtEl>
-                </p:cond>
-              </p:prevCondLst>
-              <p:nextCondLst>
-                <p:cond evt="onNext" delay="0">
-                  <p:tgtEl>
-                    <p:sldTgt/>
-                  </p:tgtEl>
-                </p:cond>
-              </p:nextCondLst>
-            </p:seq>
-          </p:childTnLst>
-        </p:cTn>
-      </p:par>
-    </p:tnLst>
-    <p:bldLst>
-      <p:bldP spid="3" grpId="0" build="p"/>
-    </p:bldLst>
-  </p:timing>
-</p:sld>
-</file>
-
-<file path=ppt/slides/slide4.xml><?xml version="1.0" encoding="utf-8"?>
-<p:sld xmlns:a="http://schemas.openxmlformats.org/drawingml/2006/main" xmlns:r="http://schemas.openxmlformats.org/officeDocument/2006/relationships" xmlns:p="http://schemas.openxmlformats.org/presentationml/2006/main">
-  <p:cSld>
-    <p:spTree>
-      <p:nvGrpSpPr>
-        <p:cNvPr id="1" name=""/>
-        <p:cNvGrpSpPr/>
-        <p:nvPr/>
-      </p:nvGrpSpPr>
-      <p:grpSpPr>
-        <a:xfrm>
-          <a:off x="0" y="0"/>
-          <a:ext cx="0" cy="0"/>
-          <a:chOff x="0" y="0"/>
-          <a:chExt cx="0" cy="0"/>
-        </a:xfrm>
-      </p:grpSpPr>
-      <p:sp>
-        <p:nvSpPr>
-          <p:cNvPr id="2" name="标题 1"/>
-          <p:cNvSpPr>
-            <a:spLocks noGrp="1"/>
-          </p:cNvSpPr>
-          <p:nvPr>
-            <p:ph type="title"/>
-          </p:nvPr>
-        </p:nvSpPr>
-        <p:spPr/>
-        <p:txBody>
-          <a:bodyPr/>
-          <a:lstStyle/>
-          <a:p>
-            <a:r>
-              <a:rPr lang="hr-HR" altLang="zh-CN" dirty="0" smtClean="0"/>
-              <a:t>1. </a:t>
-            </a:r>
-            <a:r>
-              <a:rPr lang="en-US" altLang="zh-CN" dirty="0" smtClean="0"/>
-              <a:t>HTML </a:t>
-            </a:r>
-            <a:r>
-              <a:rPr lang="en-US" altLang="zh-CN" dirty="0"/>
-              <a:t>5 </a:t>
-            </a:r>
-            <a:r>
-              <a:rPr lang="zh-CN" altLang="en-US" dirty="0"/>
-              <a:t>介绍及开发前准备</a:t>
-            </a:r>
-            <a:endParaRPr kumimoji="1" lang="zh-CN" altLang="en-US" dirty="0"/>
-          </a:p>
-        </p:txBody>
-      </p:sp>
-      <p:sp>
-        <p:nvSpPr>
-          <p:cNvPr id="3" name="内容占位符 2"/>
-          <p:cNvSpPr>
-            <a:spLocks noGrp="1"/>
-          </p:cNvSpPr>
-          <p:nvPr>
-            <p:ph idx="1"/>
-          </p:nvPr>
-        </p:nvSpPr>
-        <p:spPr/>
-        <p:txBody>
-          <a:bodyPr/>
-          <a:lstStyle/>
-          <a:p>
-            <a:r>
-              <a:rPr lang="zh-CN" altLang="en-US" dirty="0"/>
-              <a:t>课程概述及课程</a:t>
-            </a:r>
-            <a:r>
-              <a:rPr lang="zh-CN" altLang="en-US" dirty="0" smtClean="0"/>
-              <a:t>目标</a:t>
-            </a:r>
-            <a:endParaRPr lang="en-US" altLang="zh-CN" dirty="0" smtClean="0"/>
-          </a:p>
-          <a:p>
-            <a:r>
-              <a:rPr lang="en-US" altLang="zh-CN" dirty="0"/>
-              <a:t>H5 </a:t>
-            </a:r>
-            <a:r>
-              <a:rPr lang="zh-CN" altLang="en-US" dirty="0"/>
-              <a:t>介绍、目标及其应用</a:t>
-            </a:r>
-            <a:r>
-              <a:rPr lang="zh-CN" altLang="en-US" dirty="0" smtClean="0"/>
-              <a:t>场景</a:t>
-            </a:r>
-            <a:endParaRPr lang="en-US" altLang="zh-CN" dirty="0" smtClean="0"/>
-          </a:p>
-          <a:p>
-            <a:r>
-              <a:rPr lang="en-US" altLang="zh-CN" dirty="0"/>
-              <a:t>H5 </a:t>
-            </a:r>
-            <a:r>
-              <a:rPr lang="zh-CN" altLang="en-US" dirty="0"/>
-              <a:t>开发前</a:t>
-            </a:r>
-            <a:r>
-              <a:rPr lang="zh-CN" altLang="en-US" dirty="0" smtClean="0"/>
-              <a:t>准备</a:t>
-            </a:r>
-            <a:endParaRPr lang="en-US" altLang="zh-CN" dirty="0" smtClean="0"/>
-          </a:p>
-          <a:p>
-            <a:r>
-              <a:rPr lang="en-US" altLang="zh-CN" dirty="0"/>
-              <a:t>HTML</a:t>
-            </a:r>
-            <a:r>
-              <a:rPr lang="zh-CN" altLang="en-US" dirty="0"/>
-              <a:t>和</a:t>
-            </a:r>
-            <a:r>
-              <a:rPr lang="en-US" altLang="zh-CN" dirty="0"/>
-              <a:t>CSS</a:t>
-            </a:r>
-            <a:r>
-              <a:rPr lang="zh-CN" altLang="en-US" dirty="0"/>
-              <a:t>的使用</a:t>
-            </a:r>
-            <a:r>
-              <a:rPr lang="zh-CN" altLang="en-US" dirty="0" smtClean="0"/>
-              <a:t>介绍</a:t>
-            </a:r>
-            <a:endParaRPr kumimoji="1" lang="en-US" altLang="zh-CN" dirty="0" smtClean="0"/>
-          </a:p>
-          <a:p>
-            <a:endParaRPr kumimoji="1" lang="en-US" altLang="zh-CN" dirty="0" smtClean="0"/>
-          </a:p>
-          <a:p>
-            <a:endParaRPr kumimoji="1" lang="zh-CN" altLang="en-US" dirty="0"/>
-          </a:p>
-        </p:txBody>
-      </p:sp>
-    </p:spTree>
-    <p:extLst>
-      <p:ext uri="{BB962C8B-B14F-4D97-AF65-F5344CB8AC3E}">
-        <p14:creationId xmlns:p14="http://schemas.microsoft.com/office/powerpoint/2010/main" val="1714636915"/>
-      </p:ext>
-    </p:extLst>
-  </p:cSld>
-  <p:clrMapOvr>
-    <a:masterClrMapping/>
-  </p:clrMapOvr>
-  <p:timing>
-    <p:tnLst>
-      <p:par>
-        <p:cTn id="1" dur="indefinite" restart="never" nodeType="tmRoot"/>
-      </p:par>
-    </p:tnLst>
-  </p:timing>
-</p:sld>
-</file>
-
-<file path=ppt/slides/slide5.xml><?xml version="1.0" encoding="utf-8"?>
-<p:sld xmlns:a="http://schemas.openxmlformats.org/drawingml/2006/main" xmlns:r="http://schemas.openxmlformats.org/officeDocument/2006/relationships" xmlns:p="http://schemas.openxmlformats.org/presentationml/2006/main">
-  <p:cSld>
-    <p:spTree>
-      <p:nvGrpSpPr>
-        <p:cNvPr id="1" name=""/>
-        <p:cNvGrpSpPr/>
-        <p:nvPr/>
-      </p:nvGrpSpPr>
-      <p:grpSpPr>
-        <a:xfrm>
-          <a:off x="0" y="0"/>
-          <a:ext cx="0" cy="0"/>
-          <a:chOff x="0" y="0"/>
-          <a:chExt cx="0" cy="0"/>
-        </a:xfrm>
-      </p:grpSpPr>
-      <p:sp>
-        <p:nvSpPr>
-          <p:cNvPr id="2" name="标题 1"/>
-          <p:cNvSpPr>
-            <a:spLocks noGrp="1"/>
-          </p:cNvSpPr>
-          <p:nvPr>
-            <p:ph type="title"/>
-          </p:nvPr>
-        </p:nvSpPr>
-        <p:spPr/>
-        <p:txBody>
-          <a:bodyPr/>
-          <a:lstStyle/>
-          <a:p>
-            <a:r>
-              <a:rPr lang="hr-HR" altLang="zh-CN" dirty="0" smtClean="0"/>
-              <a:t>2. </a:t>
-            </a:r>
-            <a:r>
-              <a:rPr kumimoji="1" lang="en-US" altLang="zh-CN" dirty="0" smtClean="0"/>
-              <a:t>HTML </a:t>
-            </a:r>
-            <a:r>
-              <a:rPr kumimoji="1" lang="en-US" altLang="zh-CN" dirty="0"/>
-              <a:t>5 </a:t>
-            </a:r>
-            <a:r>
-              <a:rPr kumimoji="1" lang="zh-CN" altLang="en-US" dirty="0"/>
-              <a:t>基础</a:t>
-            </a:r>
-            <a:r>
-              <a:rPr kumimoji="1" lang="en-US" altLang="zh-CN" dirty="0"/>
-              <a:t/>
-            </a:r>
-            <a:br>
-              <a:rPr kumimoji="1" lang="en-US" altLang="zh-CN" dirty="0"/>
-            </a:br>
-            <a:endParaRPr kumimoji="1" lang="zh-CN" altLang="en-US" dirty="0"/>
-          </a:p>
-        </p:txBody>
-      </p:sp>
-      <p:sp>
-        <p:nvSpPr>
-          <p:cNvPr id="3" name="内容占位符 2"/>
-          <p:cNvSpPr>
-            <a:spLocks noGrp="1"/>
-          </p:cNvSpPr>
-          <p:nvPr>
-            <p:ph idx="1"/>
-          </p:nvPr>
-        </p:nvSpPr>
-        <p:spPr/>
-        <p:txBody>
-          <a:bodyPr/>
-          <a:lstStyle/>
-          <a:p>
-            <a:r>
-              <a:rPr kumimoji="1" lang="zh-CN" altLang="en-US" dirty="0"/>
-              <a:t>认识新的网页</a:t>
-            </a:r>
-            <a:r>
-              <a:rPr kumimoji="1" lang="zh-CN" altLang="en-US" dirty="0" smtClean="0"/>
-              <a:t>结构</a:t>
-            </a:r>
-            <a:endParaRPr kumimoji="1" lang="en-US" altLang="zh-CN" dirty="0" smtClean="0"/>
-          </a:p>
-          <a:p>
-            <a:r>
-              <a:rPr kumimoji="1" lang="en-US" altLang="zh-CN" dirty="0" smtClean="0"/>
-              <a:t>HTML </a:t>
-            </a:r>
-            <a:r>
-              <a:rPr kumimoji="1" lang="en-US" altLang="zh-CN" dirty="0"/>
-              <a:t>5 </a:t>
-            </a:r>
-            <a:r>
-              <a:rPr kumimoji="1" lang="zh-CN" altLang="en-US" dirty="0"/>
-              <a:t>与</a:t>
-            </a:r>
-            <a:r>
-              <a:rPr kumimoji="1" lang="en-US" altLang="zh-CN" dirty="0"/>
-              <a:t>HTML 4 </a:t>
-            </a:r>
-            <a:r>
-              <a:rPr kumimoji="1" lang="zh-CN" altLang="en-US" dirty="0"/>
-              <a:t>的</a:t>
-            </a:r>
-            <a:r>
-              <a:rPr kumimoji="1" lang="zh-CN" altLang="en-US" dirty="0" smtClean="0"/>
-              <a:t>区别</a:t>
-            </a:r>
-            <a:endParaRPr kumimoji="1" lang="en-US" altLang="zh-CN" dirty="0" smtClean="0"/>
-          </a:p>
-          <a:p>
-            <a:r>
-              <a:rPr kumimoji="1" lang="zh-CN" altLang="en-US" dirty="0" smtClean="0"/>
-              <a:t>新增</a:t>
-            </a:r>
-            <a:r>
-              <a:rPr kumimoji="1" lang="zh-CN" altLang="en-US" dirty="0"/>
-              <a:t>的主体元素</a:t>
-            </a:r>
-            <a:r>
-              <a:rPr kumimoji="1" lang="zh-CN" altLang="en-US" dirty="0" smtClean="0"/>
-              <a:t>结构</a:t>
-            </a:r>
-            <a:endParaRPr kumimoji="1" lang="en-US" altLang="zh-CN" dirty="0" smtClean="0"/>
-          </a:p>
-          <a:p>
-            <a:r>
-              <a:rPr kumimoji="1" lang="zh-CN" altLang="en-US" dirty="0" smtClean="0"/>
-              <a:t>新增</a:t>
-            </a:r>
-            <a:r>
-              <a:rPr kumimoji="1" lang="zh-CN" altLang="en-US" dirty="0"/>
-              <a:t>的非主体元素</a:t>
-            </a:r>
-            <a:r>
-              <a:rPr kumimoji="1" lang="zh-CN" altLang="en-US" dirty="0" smtClean="0"/>
-              <a:t>结构</a:t>
-            </a:r>
-            <a:endParaRPr kumimoji="1" lang="en-US" altLang="zh-CN" dirty="0" smtClean="0"/>
-          </a:p>
-          <a:p>
-            <a:r>
-              <a:rPr kumimoji="1" lang="zh-CN" altLang="en-US" dirty="0" smtClean="0"/>
-              <a:t>常见</a:t>
-            </a:r>
-            <a:r>
-              <a:rPr kumimoji="1" lang="zh-CN" altLang="en-US" dirty="0"/>
-              <a:t>的布局</a:t>
-            </a:r>
-            <a:r>
-              <a:rPr kumimoji="1" lang="zh-CN" altLang="en-US" dirty="0" smtClean="0"/>
-              <a:t>方式</a:t>
-            </a:r>
-            <a:endParaRPr kumimoji="1" lang="en-US" altLang="zh-CN" dirty="0" smtClean="0"/>
-          </a:p>
-          <a:p>
-            <a:r>
-              <a:rPr kumimoji="1" lang="zh-CN" altLang="en-US" dirty="0" smtClean="0"/>
-              <a:t>认识 </a:t>
-            </a:r>
-            <a:r>
-              <a:rPr kumimoji="1" lang="en-US" altLang="zh-CN" dirty="0" smtClean="0"/>
-              <a:t>CSS</a:t>
-            </a:r>
-            <a:endParaRPr kumimoji="1" lang="zh-CN" altLang="en-US" dirty="0"/>
-          </a:p>
-        </p:txBody>
-      </p:sp>
-    </p:spTree>
-    <p:extLst>
-      <p:ext uri="{BB962C8B-B14F-4D97-AF65-F5344CB8AC3E}">
-        <p14:creationId xmlns:p14="http://schemas.microsoft.com/office/powerpoint/2010/main" val="1713258270"/>
-      </p:ext>
-    </p:extLst>
-  </p:cSld>
-  <p:clrMapOvr>
-    <a:masterClrMapping/>
-  </p:clrMapOvr>
-  <p:timing>
-    <p:tnLst>
-      <p:par>
-        <p:cTn id="1" dur="indefinite" restart="never" nodeType="tmRoot"/>
-      </p:par>
-    </p:tnLst>
-  </p:timing>
-</p:sld>
-</file>
-
-<file path=ppt/slides/slide6.xml><?xml version="1.0" encoding="utf-8"?>
-<p:sld xmlns:a="http://schemas.openxmlformats.org/drawingml/2006/main" xmlns:r="http://schemas.openxmlformats.org/officeDocument/2006/relationships" xmlns:p="http://schemas.openxmlformats.org/presentationml/2006/main">
-  <p:cSld>
-    <p:spTree>
-      <p:nvGrpSpPr>
-        <p:cNvPr id="1" name=""/>
-        <p:cNvGrpSpPr/>
-        <p:nvPr/>
-      </p:nvGrpSpPr>
-      <p:grpSpPr>
-        <a:xfrm>
-          <a:off x="0" y="0"/>
-          <a:ext cx="0" cy="0"/>
-          <a:chOff x="0" y="0"/>
-          <a:chExt cx="0" cy="0"/>
-        </a:xfrm>
-      </p:grpSpPr>
-      <p:sp>
-        <p:nvSpPr>
-          <p:cNvPr id="2" name="标题 1"/>
-          <p:cNvSpPr>
-            <a:spLocks noGrp="1"/>
-          </p:cNvSpPr>
-          <p:nvPr>
-            <p:ph type="title"/>
-          </p:nvPr>
-        </p:nvSpPr>
-        <p:spPr/>
-        <p:txBody>
-          <a:bodyPr/>
-          <a:lstStyle/>
-          <a:p>
-            <a:r>
-              <a:rPr lang="hr-HR" altLang="zh-CN" dirty="0"/>
-              <a:t>3. </a:t>
-            </a:r>
-            <a:r>
-              <a:rPr lang="en-US" altLang="zh-CN" dirty="0" smtClean="0"/>
-              <a:t>HTML </a:t>
-            </a:r>
-            <a:r>
-              <a:rPr lang="en-US" altLang="zh-CN" dirty="0"/>
-              <a:t>5 </a:t>
-            </a:r>
-            <a:r>
-              <a:rPr lang="zh-CN" altLang="en-US" dirty="0"/>
-              <a:t>新特性、</a:t>
-            </a:r>
-            <a:r>
-              <a:rPr lang="en-US" altLang="zh-CN" dirty="0" smtClean="0"/>
-              <a:t>CSS3</a:t>
-            </a:r>
-            <a:r>
-              <a:rPr lang="zh-CN" altLang="en-US" dirty="0" smtClean="0"/>
-              <a:t>、</a:t>
-            </a:r>
-            <a:r>
-              <a:rPr lang="en-US" altLang="zh-CN" dirty="0" smtClean="0"/>
-              <a:t>JS</a:t>
-            </a:r>
-            <a:r>
-              <a:rPr lang="zh-CN" altLang="en-US" dirty="0" smtClean="0"/>
-              <a:t>介绍</a:t>
-            </a:r>
-            <a:endParaRPr kumimoji="1" lang="zh-CN" altLang="en-US" dirty="0"/>
-          </a:p>
-        </p:txBody>
-      </p:sp>
-      <p:sp>
-        <p:nvSpPr>
-          <p:cNvPr id="3" name="内容占位符 2"/>
-          <p:cNvSpPr>
-            <a:spLocks noGrp="1"/>
-          </p:cNvSpPr>
-          <p:nvPr>
-            <p:ph idx="1"/>
-          </p:nvPr>
-        </p:nvSpPr>
-        <p:spPr/>
-        <p:txBody>
-          <a:bodyPr/>
-          <a:lstStyle/>
-          <a:p>
-            <a:r>
-              <a:rPr lang="en-US" altLang="zh-CN" dirty="0"/>
-              <a:t>HTML 5 </a:t>
-            </a:r>
-            <a:r>
-              <a:rPr lang="zh-CN" altLang="en-US" dirty="0"/>
-              <a:t>新</a:t>
-            </a:r>
-            <a:r>
-              <a:rPr lang="zh-CN" altLang="en-US" dirty="0" smtClean="0"/>
-              <a:t>特性</a:t>
-            </a:r>
-            <a:endParaRPr lang="en-US" altLang="zh-CN" dirty="0" smtClean="0"/>
-          </a:p>
-          <a:p>
-            <a:r>
-              <a:rPr lang="en-US" altLang="zh-CN" dirty="0" smtClean="0"/>
-              <a:t>CSS3 </a:t>
-            </a:r>
-            <a:r>
-              <a:rPr lang="zh-CN" altLang="en-US" dirty="0" smtClean="0"/>
-              <a:t>介绍</a:t>
-            </a:r>
-            <a:r>
-              <a:rPr lang="zh-CN" altLang="en-US" dirty="0"/>
-              <a:t>与</a:t>
-            </a:r>
-            <a:r>
-              <a:rPr lang="zh-CN" altLang="en-US" dirty="0" smtClean="0"/>
-              <a:t>使用</a:t>
-            </a:r>
-            <a:endParaRPr lang="en-US" altLang="zh-CN" dirty="0" smtClean="0"/>
-          </a:p>
-          <a:p>
-            <a:r>
-              <a:rPr lang="es-ES_tradnl" altLang="zh-CN" dirty="0" err="1" smtClean="0"/>
-              <a:t>Javascript</a:t>
-            </a:r>
-            <a:r>
-              <a:rPr lang="es-ES_tradnl" altLang="zh-CN" dirty="0" smtClean="0"/>
-              <a:t> </a:t>
-            </a:r>
-            <a:r>
-              <a:rPr lang="zh-CN" altLang="es-ES_tradnl" dirty="0" smtClean="0"/>
-              <a:t>介绍</a:t>
-            </a:r>
-            <a:r>
-              <a:rPr lang="zh-CN" altLang="es-ES_tradnl" dirty="0"/>
-              <a:t>与使用</a:t>
-            </a:r>
-            <a:endParaRPr kumimoji="1" lang="zh-CN" altLang="en-US" dirty="0"/>
-          </a:p>
-        </p:txBody>
-      </p:sp>
-    </p:spTree>
-    <p:extLst>
-      <p:ext uri="{BB962C8B-B14F-4D97-AF65-F5344CB8AC3E}">
-        <p14:creationId xmlns:p14="http://schemas.microsoft.com/office/powerpoint/2010/main" val="1960709859"/>
-      </p:ext>
-    </p:extLst>
-  </p:cSld>
-  <p:clrMapOvr>
-    <a:masterClrMapping/>
-  </p:clrMapOvr>
-  <p:timing>
-    <p:tnLst>
-      <p:par>
-        <p:cTn id="1" dur="indefinite" restart="never" nodeType="tmRoot"/>
-      </p:par>
-    </p:tnLst>
-  </p:timing>
-</p:sld>
-</file>
-
-<file path=ppt/slides/slide7.xml><?xml version="1.0" encoding="utf-8"?>
-<p:sld xmlns:a="http://schemas.openxmlformats.org/drawingml/2006/main" xmlns:r="http://schemas.openxmlformats.org/officeDocument/2006/relationships" xmlns:p="http://schemas.openxmlformats.org/presentationml/2006/main">
-  <p:cSld>
-    <p:spTree>
-      <p:nvGrpSpPr>
-        <p:cNvPr id="1" name=""/>
-        <p:cNvGrpSpPr/>
-        <p:nvPr/>
-      </p:nvGrpSpPr>
-      <p:grpSpPr>
-        <a:xfrm>
-          <a:off x="0" y="0"/>
-          <a:ext cx="0" cy="0"/>
-          <a:chOff x="0" y="0"/>
-          <a:chExt cx="0" cy="0"/>
-        </a:xfrm>
-      </p:grpSpPr>
-      <p:sp>
-        <p:nvSpPr>
-          <p:cNvPr id="2" name="标题 1"/>
-          <p:cNvSpPr>
-            <a:spLocks noGrp="1"/>
-          </p:cNvSpPr>
-          <p:nvPr>
-            <p:ph type="title"/>
-          </p:nvPr>
-        </p:nvSpPr>
-        <p:spPr/>
-        <p:txBody>
-          <a:bodyPr/>
-          <a:lstStyle/>
-          <a:p>
-            <a:r>
-              <a:rPr lang="en-US" altLang="zh-CN" dirty="0" smtClean="0"/>
-              <a:t>4. HTML </a:t>
-            </a:r>
-            <a:r>
-              <a:rPr lang="en-US" altLang="zh-CN" dirty="0"/>
-              <a:t>5 </a:t>
-            </a:r>
-            <a:r>
-              <a:rPr lang="zh-CN" altLang="en-US" dirty="0"/>
-              <a:t>数据存储</a:t>
-            </a:r>
-            <a:endParaRPr kumimoji="1" lang="zh-CN" altLang="en-US" dirty="0"/>
-          </a:p>
-        </p:txBody>
-      </p:sp>
-      <p:sp>
-        <p:nvSpPr>
-          <p:cNvPr id="3" name="内容占位符 2"/>
-          <p:cNvSpPr>
-            <a:spLocks noGrp="1"/>
-          </p:cNvSpPr>
-          <p:nvPr>
-            <p:ph idx="1"/>
-          </p:nvPr>
-        </p:nvSpPr>
-        <p:spPr/>
-        <p:txBody>
-          <a:bodyPr/>
-          <a:lstStyle/>
-          <a:p>
-            <a:r>
-              <a:rPr lang="en-US" altLang="zh-CN" dirty="0"/>
-              <a:t>H5 </a:t>
-            </a:r>
-            <a:r>
-              <a:rPr lang="zh-CN" altLang="en-US" dirty="0"/>
-              <a:t>的数据存储</a:t>
-            </a:r>
-            <a:r>
-              <a:rPr lang="zh-CN" altLang="en-US" dirty="0" smtClean="0"/>
-              <a:t>方式</a:t>
-            </a:r>
-            <a:endParaRPr lang="en-US" altLang="zh-CN" dirty="0" smtClean="0"/>
-          </a:p>
-          <a:p>
-            <a:r>
-              <a:rPr lang="en-US" altLang="zh-CN" dirty="0" smtClean="0"/>
-              <a:t>Cookie</a:t>
-            </a:r>
-          </a:p>
-          <a:p>
-            <a:r>
-              <a:rPr lang="en-US" altLang="zh-CN" dirty="0"/>
-              <a:t>H5 </a:t>
-            </a:r>
-            <a:r>
-              <a:rPr lang="zh-CN" altLang="en-US" dirty="0"/>
-              <a:t>本地存储 </a:t>
-            </a:r>
-            <a:r>
-              <a:rPr lang="en-US" altLang="zh-CN" dirty="0"/>
-              <a:t>Web </a:t>
-            </a:r>
-            <a:r>
-              <a:rPr lang="en-US" altLang="zh-CN" dirty="0" smtClean="0"/>
-              <a:t>Storage</a:t>
-            </a:r>
-          </a:p>
-          <a:p>
-            <a:r>
-              <a:rPr lang="zh-CN" altLang="en-US" dirty="0"/>
-              <a:t>数据库</a:t>
-            </a:r>
-            <a:r>
-              <a:rPr lang="en-US" altLang="zh-CN" dirty="0"/>
-              <a:t>Indexed DB(Database</a:t>
-            </a:r>
-            <a:r>
-              <a:rPr lang="en-US" altLang="zh-CN" dirty="0" smtClean="0"/>
-              <a:t>)</a:t>
-            </a:r>
-          </a:p>
-          <a:p>
-            <a:r>
-              <a:rPr lang="zh-CN" altLang="fr-FR" dirty="0"/>
-              <a:t>应用缓存</a:t>
-            </a:r>
-            <a:r>
-              <a:rPr lang="fr-FR" altLang="zh-CN" dirty="0"/>
-              <a:t>Application Cache</a:t>
-            </a:r>
-            <a:endParaRPr kumimoji="1" lang="zh-CN" altLang="en-US" dirty="0"/>
-          </a:p>
-        </p:txBody>
-      </p:sp>
-    </p:spTree>
-    <p:extLst>
-      <p:ext uri="{BB962C8B-B14F-4D97-AF65-F5344CB8AC3E}">
-        <p14:creationId xmlns:p14="http://schemas.microsoft.com/office/powerpoint/2010/main" val="1789366143"/>
-      </p:ext>
-    </p:extLst>
-  </p:cSld>
-  <p:clrMapOvr>
-    <a:masterClrMapping/>
-  </p:clrMapOvr>
-  <p:timing>
-    <p:tnLst>
-      <p:par>
-        <p:cTn id="1" dur="indefinite" restart="never" nodeType="tmRoot"/>
-      </p:par>
-    </p:tnLst>
-  </p:timing>
-</p:sld>
-</file>
-
-<file path=ppt/slides/slide8.xml><?xml version="1.0" encoding="utf-8"?>
-<p:sld xmlns:a="http://schemas.openxmlformats.org/drawingml/2006/main" xmlns:r="http://schemas.openxmlformats.org/officeDocument/2006/relationships" xmlns:p="http://schemas.openxmlformats.org/presentationml/2006/main">
-  <p:cSld>
-    <p:spTree>
-      <p:nvGrpSpPr>
-        <p:cNvPr id="1" name=""/>
-        <p:cNvGrpSpPr/>
-        <p:nvPr/>
-      </p:nvGrpSpPr>
-      <p:grpSpPr>
-        <a:xfrm>
-          <a:off x="0" y="0"/>
-          <a:ext cx="0" cy="0"/>
-          <a:chOff x="0" y="0"/>
-          <a:chExt cx="0" cy="0"/>
-        </a:xfrm>
-      </p:grpSpPr>
-      <p:sp>
-        <p:nvSpPr>
-          <p:cNvPr id="2" name="标题 1"/>
-          <p:cNvSpPr>
-            <a:spLocks noGrp="1"/>
-          </p:cNvSpPr>
-          <p:nvPr>
-            <p:ph type="title"/>
-          </p:nvPr>
-        </p:nvSpPr>
-        <p:spPr/>
-        <p:txBody>
-          <a:bodyPr/>
-          <a:lstStyle/>
-          <a:p>
-            <a:r>
-              <a:rPr lang="en-US" altLang="zh-CN" dirty="0"/>
-              <a:t>5. HTML5</a:t>
-            </a:r>
-            <a:r>
-              <a:rPr lang="zh-CN" altLang="en-US" dirty="0"/>
-              <a:t>与</a:t>
-            </a:r>
-            <a:r>
-              <a:rPr lang="en-US" altLang="zh-CN" dirty="0"/>
-              <a:t>CSS3</a:t>
-            </a:r>
-            <a:r>
-              <a:rPr lang="zh-CN" altLang="en-US" dirty="0"/>
-              <a:t>的结合应用</a:t>
-            </a:r>
-            <a:endParaRPr kumimoji="1" lang="zh-CN" altLang="en-US" dirty="0"/>
-          </a:p>
-        </p:txBody>
-      </p:sp>
-      <p:sp>
-        <p:nvSpPr>
-          <p:cNvPr id="3" name="内容占位符 2"/>
-          <p:cNvSpPr>
-            <a:spLocks noGrp="1"/>
-          </p:cNvSpPr>
-          <p:nvPr>
-            <p:ph idx="1"/>
-          </p:nvPr>
-        </p:nvSpPr>
-        <p:spPr/>
-        <p:txBody>
-          <a:bodyPr/>
-          <a:lstStyle/>
-          <a:p>
-            <a:r>
-              <a:rPr lang="zh-CN" altLang="en-US" dirty="0"/>
-              <a:t>建设网站</a:t>
-            </a:r>
-            <a:r>
-              <a:rPr lang="zh-CN" altLang="en-US" dirty="0" smtClean="0"/>
-              <a:t>流程</a:t>
-            </a:r>
-            <a:endParaRPr lang="en-US" altLang="zh-CN" dirty="0" smtClean="0"/>
-          </a:p>
-          <a:p>
-            <a:r>
-              <a:rPr lang="zh-CN" altLang="en-US" dirty="0"/>
-              <a:t>网站建设的</a:t>
-            </a:r>
-            <a:r>
-              <a:rPr lang="zh-CN" altLang="en-US" dirty="0" smtClean="0"/>
-              <a:t>步骤</a:t>
-            </a:r>
-            <a:endParaRPr lang="en-US" altLang="zh-CN" dirty="0" smtClean="0"/>
-          </a:p>
-          <a:p>
-            <a:r>
-              <a:rPr lang="zh-CN" altLang="en-US" dirty="0"/>
-              <a:t>常见的兼容性问题的</a:t>
-            </a:r>
-            <a:r>
-              <a:rPr lang="zh-CN" altLang="en-US" dirty="0" smtClean="0"/>
-              <a:t>处理</a:t>
-            </a:r>
-            <a:endParaRPr lang="en-US" altLang="zh-CN" dirty="0" smtClean="0"/>
-          </a:p>
-          <a:p>
-            <a:r>
-              <a:rPr lang="zh-CN" altLang="en-US" dirty="0"/>
-              <a:t>响应式布局</a:t>
-            </a:r>
-            <a:r>
-              <a:rPr lang="zh-CN" altLang="en-US" dirty="0" smtClean="0"/>
-              <a:t>介绍与使用</a:t>
-            </a:r>
-            <a:endParaRPr kumimoji="1" lang="zh-CN" altLang="en-US" dirty="0"/>
-          </a:p>
-        </p:txBody>
-      </p:sp>
-    </p:spTree>
-    <p:extLst>
-      <p:ext uri="{BB962C8B-B14F-4D97-AF65-F5344CB8AC3E}">
-        <p14:creationId xmlns:p14="http://schemas.microsoft.com/office/powerpoint/2010/main" val="706043324"/>
-      </p:ext>
-    </p:extLst>
-  </p:cSld>
-  <p:clrMapOvr>
-    <a:masterClrMapping/>
-  </p:clrMapOvr>
-  <p:timing>
-    <p:tnLst>
-      <p:par>
-        <p:cTn id="1" dur="indefinite" restart="never" nodeType="tmRoot"/>
-      </p:par>
-    </p:tnLst>
-  </p:timing>
 </p:sld>
 </file>
 

--- a/lesson_HTML5/2.HTML5基础/2.HTML5基础.pptx
+++ b/lesson_HTML5/2.HTML5基础/2.HTML5基础.pptx
@@ -5,7 +5,7 @@
     <p:sldMasterId id="2147483648" r:id="rId1"/>
   </p:sldMasterIdLst>
   <p:notesMasterIdLst>
-    <p:notesMasterId r:id="rId15"/>
+    <p:notesMasterId r:id="rId17"/>
   </p:notesMasterIdLst>
   <p:sldIdLst>
     <p:sldId id="256" r:id="rId2"/>
@@ -17,10 +17,12 @@
     <p:sldId id="266" r:id="rId8"/>
     <p:sldId id="267" r:id="rId9"/>
     <p:sldId id="268" r:id="rId10"/>
-    <p:sldId id="269" r:id="rId11"/>
-    <p:sldId id="270" r:id="rId12"/>
-    <p:sldId id="271" r:id="rId13"/>
-    <p:sldId id="272" r:id="rId14"/>
+    <p:sldId id="273" r:id="rId11"/>
+    <p:sldId id="274" r:id="rId12"/>
+    <p:sldId id="269" r:id="rId13"/>
+    <p:sldId id="270" r:id="rId14"/>
+    <p:sldId id="271" r:id="rId15"/>
+    <p:sldId id="272" r:id="rId16"/>
   </p:sldIdLst>
   <p:sldSz cx="12192000" cy="6858000"/>
   <p:notesSz cx="6858000" cy="9144000"/>
@@ -6371,15 +6373,15 @@
             </a:r>
             <a:r>
               <a:rPr kumimoji="1" lang="zh-CN" altLang="en-US" dirty="0" smtClean="0"/>
-              <a:t>的基础语法</a:t>
-            </a:r>
-            <a:r>
-              <a:rPr kumimoji="1" lang="zh-CN" altLang="en-US" smtClean="0"/>
-              <a:t>，新特性，</a:t>
+              <a:t>的基础语法，新特性，网页结构，新增元素，新增的</a:t>
+            </a:r>
+            <a:r>
+              <a:rPr kumimoji="1" lang="en-US" altLang="zh-CN" dirty="0" smtClean="0"/>
+              <a:t>input</a:t>
             </a:r>
             <a:r>
               <a:rPr kumimoji="1" lang="zh-CN" altLang="en-US" dirty="0" smtClean="0"/>
-              <a:t>网页结构，新增元素，表单元素。</a:t>
+              <a:t>元素类型。</a:t>
             </a:r>
             <a:endParaRPr kumimoji="1" lang="zh-CN" altLang="en-US" dirty="0"/>
           </a:p>
@@ -6525,6 +6527,198 @@
           <a:lstStyle/>
           <a:p>
             <a:r>
+              <a:rPr kumimoji="1" lang="en-US" altLang="zh-CN" dirty="0" smtClean="0"/>
+              <a:t>video</a:t>
+            </a:r>
+            <a:endParaRPr kumimoji="1" lang="zh-CN" altLang="en-US" dirty="0"/>
+          </a:p>
+        </p:txBody>
+      </p:sp>
+      <p:sp>
+        <p:nvSpPr>
+          <p:cNvPr id="5" name="内容占位符 4"/>
+          <p:cNvSpPr>
+            <a:spLocks noGrp="1"/>
+          </p:cNvSpPr>
+          <p:nvPr>
+            <p:ph idx="1"/>
+          </p:nvPr>
+        </p:nvSpPr>
+        <p:spPr/>
+        <p:txBody>
+          <a:bodyPr/>
+          <a:lstStyle/>
+          <a:p>
+            <a:pPr marL="0" indent="0">
+              <a:buNone/>
+            </a:pPr>
+            <a:endParaRPr kumimoji="1" lang="zh-CN" altLang="en-US" dirty="0"/>
+          </a:p>
+        </p:txBody>
+      </p:sp>
+      <p:pic>
+        <p:nvPicPr>
+          <p:cNvPr id="6" name="图片 5"/>
+          <p:cNvPicPr>
+            <a:picLocks noChangeAspect="1"/>
+          </p:cNvPicPr>
+          <p:nvPr/>
+        </p:nvPicPr>
+        <p:blipFill>
+          <a:blip r:embed="rId2"/>
+          <a:stretch>
+            <a:fillRect/>
+          </a:stretch>
+        </p:blipFill>
+        <p:spPr>
+          <a:xfrm>
+            <a:off x="542424" y="1852118"/>
+            <a:ext cx="9158602" cy="4050675"/>
+          </a:xfrm>
+          <a:prstGeom prst="rect">
+            <a:avLst/>
+          </a:prstGeom>
+        </p:spPr>
+      </p:pic>
+    </p:spTree>
+    <p:extLst>
+      <p:ext uri="{BB962C8B-B14F-4D97-AF65-F5344CB8AC3E}">
+        <p14:creationId xmlns:p14="http://schemas.microsoft.com/office/powerpoint/2010/main" val="298501962"/>
+      </p:ext>
+    </p:extLst>
+  </p:cSld>
+  <p:clrMapOvr>
+    <a:masterClrMapping/>
+  </p:clrMapOvr>
+  <p:timing>
+    <p:tnLst>
+      <p:par>
+        <p:cTn id="1" dur="indefinite" restart="never" nodeType="tmRoot"/>
+      </p:par>
+    </p:tnLst>
+  </p:timing>
+</p:sld>
+</file>
+
+<file path=ppt/slides/slide11.xml><?xml version="1.0" encoding="utf-8"?>
+<p:sld xmlns:a="http://schemas.openxmlformats.org/drawingml/2006/main" xmlns:r="http://schemas.openxmlformats.org/officeDocument/2006/relationships" xmlns:p="http://schemas.openxmlformats.org/presentationml/2006/main">
+  <p:cSld>
+    <p:spTree>
+      <p:nvGrpSpPr>
+        <p:cNvPr id="1" name=""/>
+        <p:cNvGrpSpPr/>
+        <p:nvPr/>
+      </p:nvGrpSpPr>
+      <p:grpSpPr>
+        <a:xfrm>
+          <a:off x="0" y="0"/>
+          <a:ext cx="0" cy="0"/>
+          <a:chOff x="0" y="0"/>
+          <a:chExt cx="0" cy="0"/>
+        </a:xfrm>
+      </p:grpSpPr>
+      <p:sp>
+        <p:nvSpPr>
+          <p:cNvPr id="2" name="标题 1"/>
+          <p:cNvSpPr>
+            <a:spLocks noGrp="1"/>
+          </p:cNvSpPr>
+          <p:nvPr>
+            <p:ph type="title"/>
+          </p:nvPr>
+        </p:nvSpPr>
+        <p:spPr/>
+        <p:txBody>
+          <a:bodyPr/>
+          <a:lstStyle/>
+          <a:p>
+            <a:r>
+              <a:rPr kumimoji="1" lang="en-US" altLang="zh-CN" dirty="0" smtClean="0"/>
+              <a:t>audio</a:t>
+            </a:r>
+            <a:endParaRPr kumimoji="1" lang="zh-CN" altLang="en-US" dirty="0"/>
+          </a:p>
+        </p:txBody>
+      </p:sp>
+      <p:pic>
+        <p:nvPicPr>
+          <p:cNvPr id="4" name="内容占位符 3"/>
+          <p:cNvPicPr>
+            <a:picLocks noGrp="1" noChangeAspect="1"/>
+          </p:cNvPicPr>
+          <p:nvPr>
+            <p:ph idx="1"/>
+          </p:nvPr>
+        </p:nvPicPr>
+        <p:blipFill>
+          <a:blip r:embed="rId2"/>
+          <a:stretch>
+            <a:fillRect/>
+          </a:stretch>
+        </p:blipFill>
+        <p:spPr>
+          <a:xfrm>
+            <a:off x="677690" y="2085056"/>
+            <a:ext cx="8596312" cy="2833286"/>
+          </a:xfrm>
+          <a:prstGeom prst="rect">
+            <a:avLst/>
+          </a:prstGeom>
+        </p:spPr>
+      </p:pic>
+    </p:spTree>
+    <p:extLst>
+      <p:ext uri="{BB962C8B-B14F-4D97-AF65-F5344CB8AC3E}">
+        <p14:creationId xmlns:p14="http://schemas.microsoft.com/office/powerpoint/2010/main" val="428903682"/>
+      </p:ext>
+    </p:extLst>
+  </p:cSld>
+  <p:clrMapOvr>
+    <a:masterClrMapping/>
+  </p:clrMapOvr>
+  <p:timing>
+    <p:tnLst>
+      <p:par>
+        <p:cTn id="1" dur="indefinite" restart="never" nodeType="tmRoot"/>
+      </p:par>
+    </p:tnLst>
+  </p:timing>
+</p:sld>
+</file>
+
+<file path=ppt/slides/slide12.xml><?xml version="1.0" encoding="utf-8"?>
+<p:sld xmlns:a="http://schemas.openxmlformats.org/drawingml/2006/main" xmlns:r="http://schemas.openxmlformats.org/officeDocument/2006/relationships" xmlns:p="http://schemas.openxmlformats.org/presentationml/2006/main">
+  <p:cSld>
+    <p:spTree>
+      <p:nvGrpSpPr>
+        <p:cNvPr id="1" name=""/>
+        <p:cNvGrpSpPr/>
+        <p:nvPr/>
+      </p:nvGrpSpPr>
+      <p:grpSpPr>
+        <a:xfrm>
+          <a:off x="0" y="0"/>
+          <a:ext cx="0" cy="0"/>
+          <a:chOff x="0" y="0"/>
+          <a:chExt cx="0" cy="0"/>
+        </a:xfrm>
+      </p:grpSpPr>
+      <p:sp>
+        <p:nvSpPr>
+          <p:cNvPr id="2" name="标题 1"/>
+          <p:cNvSpPr>
+            <a:spLocks noGrp="1"/>
+          </p:cNvSpPr>
+          <p:nvPr>
+            <p:ph type="title"/>
+          </p:nvPr>
+        </p:nvSpPr>
+        <p:spPr/>
+        <p:txBody>
+          <a:bodyPr/>
+          <a:lstStyle/>
+          <a:p>
+            <a:r>
               <a:rPr kumimoji="1" lang="zh-CN" altLang="en-US" dirty="0" smtClean="0"/>
               <a:t>已有</a:t>
             </a:r>
@@ -6843,7 +7037,7 @@
 </p:sld>
 </file>
 
-<file path=ppt/slides/slide11.xml><?xml version="1.0" encoding="utf-8"?>
+<file path=ppt/slides/slide13.xml><?xml version="1.0" encoding="utf-8"?>
 <p:sld xmlns:a="http://schemas.openxmlformats.org/drawingml/2006/main" xmlns:r="http://schemas.openxmlformats.org/officeDocument/2006/relationships" xmlns:p="http://schemas.openxmlformats.org/presentationml/2006/main">
   <p:cSld>
     <p:spTree>
@@ -7897,7 +8091,7 @@
 </p:sld>
 </file>
 
-<file path=ppt/slides/slide12.xml><?xml version="1.0" encoding="utf-8"?>
+<file path=ppt/slides/slide14.xml><?xml version="1.0" encoding="utf-8"?>
 <p:sld xmlns:a="http://schemas.openxmlformats.org/drawingml/2006/main" xmlns:r="http://schemas.openxmlformats.org/officeDocument/2006/relationships" xmlns:p="http://schemas.openxmlformats.org/presentationml/2006/main">
   <p:cSld>
     <p:spTree>
@@ -8941,7 +9135,7 @@
 </p:sld>
 </file>
 
-<file path=ppt/slides/slide13.xml><?xml version="1.0" encoding="utf-8"?>
+<file path=ppt/slides/slide15.xml><?xml version="1.0" encoding="utf-8"?>
 <p:sld xmlns:a="http://schemas.openxmlformats.org/drawingml/2006/main" xmlns:r="http://schemas.openxmlformats.org/officeDocument/2006/relationships" xmlns:p="http://schemas.openxmlformats.org/presentationml/2006/main">
   <p:cSld>
     <p:spTree>
@@ -11105,7 +11299,62 @@
           </a:p>
           <a:p>
             <a:r>
-              <a:rPr kumimoji="1" lang="zh-CN" altLang="en-US" dirty="0" smtClean="0"/>
+              <a:rPr lang="zh-CN" altLang="en-US" dirty="0" smtClean="0"/>
+              <a:t>可以</a:t>
+            </a:r>
+            <a:r>
+              <a:rPr lang="zh-CN" altLang="en-US" dirty="0"/>
+              <a:t>省略结束标记的</a:t>
+            </a:r>
+            <a:r>
+              <a:rPr lang="zh-CN" altLang="en-US" dirty="0" smtClean="0"/>
+              <a:t>元素</a:t>
+            </a:r>
+          </a:p>
+          <a:p>
+            <a:r>
+              <a:rPr lang="en-US" altLang="zh-CN" dirty="0"/>
+              <a:t>li,dt,dd,p,rt,rp,optgroup,option,colgroup,thead,tbody,tfoot,tr,td,th</a:t>
+            </a:r>
+            <a:endParaRPr lang="en-US" altLang="zh-CN" dirty="0" smtClean="0"/>
+          </a:p>
+          <a:p>
+            <a:r>
+              <a:rPr lang="zh-CN" altLang="en-US" dirty="0"/>
+              <a:t>不允许写结束标记的</a:t>
+            </a:r>
+            <a:r>
+              <a:rPr lang="zh-CN" altLang="en-US" dirty="0" smtClean="0"/>
+              <a:t>元素</a:t>
+            </a:r>
+          </a:p>
+          <a:p>
+            <a:r>
+              <a:rPr lang="en-US" altLang="zh-CN" dirty="0"/>
+              <a:t>area,base,br,col,command,embed,hr,img,input,keygen,link,meta,paran,source,track,wb</a:t>
+            </a:r>
+            <a:endParaRPr lang="en-US" altLang="zh-CN" dirty="0" smtClean="0"/>
+          </a:p>
+          <a:p>
+            <a:r>
+              <a:rPr lang="zh-CN" altLang="en-US" dirty="0"/>
+              <a:t>可以省略全部标记的</a:t>
+            </a:r>
+            <a:r>
+              <a:rPr lang="zh-CN" altLang="en-US" dirty="0" smtClean="0"/>
+              <a:t>元素</a:t>
+            </a:r>
+          </a:p>
+          <a:p>
+            <a:r>
+              <a:rPr lang="en-US" altLang="zh-CN" dirty="0" err="1" smtClean="0"/>
+              <a:t>html,head,body,colgroup,tbody</a:t>
+            </a:r>
+            <a:endParaRPr lang="en-US" altLang="zh-CN" dirty="0" smtClean="0"/>
+          </a:p>
+          <a:p>
+            <a:r>
+              <a:rPr kumimoji="1" lang="zh-CN" altLang="en-US" dirty="0"/>
               <a:t>具有</a:t>
             </a:r>
             <a:r>
@@ -11118,58 +11367,15 @@
             </a:r>
             <a:r>
               <a:rPr kumimoji="1" lang="zh-CN" altLang="en-US" dirty="0" smtClean="0"/>
-              <a:t>属性</a:t>
-            </a:r>
-          </a:p>
-          <a:p>
-            <a:r>
-              <a:rPr lang="zh-CN" altLang="en-US" dirty="0"/>
-              <a:t>可以省略结束标记的</a:t>
-            </a:r>
-            <a:r>
-              <a:rPr lang="zh-CN" altLang="en-US" dirty="0" smtClean="0"/>
-              <a:t>元素</a:t>
-            </a:r>
-          </a:p>
-          <a:p>
-            <a:r>
-              <a:rPr lang="en-US" altLang="zh-CN" dirty="0"/>
-              <a:t>li,dt,dd,p,rt,rp,optgroup,option,colgroup,thead,tbody,tfoot,tr,td,th</a:t>
-            </a:r>
-            <a:endParaRPr lang="en-US" altLang="zh-CN" dirty="0" smtClean="0"/>
-          </a:p>
-          <a:p>
-            <a:r>
-              <a:rPr lang="zh-CN" altLang="en-US" dirty="0"/>
-              <a:t>不允许写结束标记的</a:t>
-            </a:r>
-            <a:r>
-              <a:rPr lang="zh-CN" altLang="en-US" dirty="0" smtClean="0"/>
-              <a:t>元素</a:t>
-            </a:r>
-          </a:p>
-          <a:p>
-            <a:r>
-              <a:rPr lang="en-US" altLang="zh-CN" dirty="0"/>
-              <a:t>area,base,br,col,command,embed,hr,img,input,keygen,link,meta,paran,source,track,wb</a:t>
-            </a:r>
-            <a:endParaRPr lang="en-US" altLang="zh-CN" dirty="0" smtClean="0"/>
-          </a:p>
-          <a:p>
-            <a:r>
-              <a:rPr lang="zh-CN" altLang="en-US" dirty="0"/>
-              <a:t>可以省略全部标记的</a:t>
-            </a:r>
-            <a:r>
-              <a:rPr lang="zh-CN" altLang="en-US" dirty="0" smtClean="0"/>
-              <a:t>元素</a:t>
-            </a:r>
-          </a:p>
-          <a:p>
-            <a:r>
-              <a:rPr lang="en-US" altLang="zh-CN" dirty="0" err="1"/>
-              <a:t>html,head,body,colgroup,tbody</a:t>
-            </a:r>
+              <a:t>属性，</a:t>
+            </a:r>
+            <a:r>
+              <a:rPr kumimoji="1" lang="zh-CN" altLang="en-US" dirty="0" smtClean="0"/>
+              <a:t>全局属性</a:t>
+            </a:r>
+            <a:endParaRPr kumimoji="1" lang="zh-CN" altLang="en-US" dirty="0"/>
+          </a:p>
+          <a:p>
             <a:endParaRPr lang="en-US" altLang="zh-CN" dirty="0" smtClean="0"/>
           </a:p>
         </p:txBody>
@@ -12181,7 +12387,15 @@
           <a:p>
             <a:r>
               <a:rPr kumimoji="1" lang="zh-CN" altLang="en-US" dirty="0"/>
-              <a:t>新增的主体元素结构</a:t>
+              <a:t>新增的主体元素</a:t>
+            </a:r>
+            <a:r>
+              <a:rPr kumimoji="1" lang="zh-CN" altLang="en-US" dirty="0" smtClean="0"/>
+              <a:t>结构</a:t>
+            </a:r>
+            <a:r>
+              <a:rPr kumimoji="1" lang="zh-CN" altLang="en-US" dirty="0" smtClean="0"/>
+              <a:t>及应用</a:t>
             </a:r>
             <a:endParaRPr kumimoji="1" lang="en-US" altLang="zh-CN" dirty="0"/>
           </a:p>
